--- a/Project_Presentation.pptx
+++ b/Project_Presentation.pptx
@@ -111,6 +111,11 @@
       </a:defRPr>
     </a:lvl9pPr>
   </p:defaultTextStyle>
+  <p:extLst>
+    <p:ext uri="{EFAFB233-063F-42B5-8137-9DF3F51BA10A}">
+      <p15:sldGuideLst xmlns:p15="http://schemas.microsoft.com/office/powerpoint/2012/main"/>
+    </p:ext>
+  </p:extLst>
 </p:presentation>
 </file>
 
@@ -196,7 +201,7 @@
           <a:p>
             <a:fld id="{B98EBBD5-E090-0047-8ECB-D791EED40FC4}" type="datetimeFigureOut">
               <a:rPr lang="en-PL" smtClean="0"/>
-              <a:t>27/04/2025</a:t>
+              <a:t>28/04/2025</a:t>
             </a:fld>
             <a:endParaRPr lang="en-PL"/>
           </a:p>
@@ -548,6 +553,90 @@
 </p:notes>
 </file>
 
+<file path=ppt/notesSlides/notesSlide2.xml><?xml version="1.0" encoding="utf-8"?>
+<p:notes xmlns:a="http://schemas.openxmlformats.org/drawingml/2006/main" xmlns:r="http://schemas.openxmlformats.org/officeDocument/2006/relationships" xmlns:p="http://schemas.openxmlformats.org/presentationml/2006/main">
+  <p:cSld>
+    <p:spTree>
+      <p:nvGrpSpPr>
+        <p:cNvPr id="1" name=""/>
+        <p:cNvGrpSpPr/>
+        <p:nvPr/>
+      </p:nvGrpSpPr>
+      <p:grpSpPr>
+        <a:xfrm>
+          <a:off x="0" y="0"/>
+          <a:ext cx="0" cy="0"/>
+          <a:chOff x="0" y="0"/>
+          <a:chExt cx="0" cy="0"/>
+        </a:xfrm>
+      </p:grpSpPr>
+      <p:sp>
+        <p:nvSpPr>
+          <p:cNvPr id="2" name="Slide Image Placeholder 1"/>
+          <p:cNvSpPr>
+            <a:spLocks noGrp="1" noRot="1" noChangeAspect="1"/>
+          </p:cNvSpPr>
+          <p:nvPr>
+            <p:ph type="sldImg"/>
+          </p:nvPr>
+        </p:nvSpPr>
+        <p:spPr/>
+      </p:sp>
+      <p:sp>
+        <p:nvSpPr>
+          <p:cNvPr id="3" name="Notes Placeholder 2"/>
+          <p:cNvSpPr>
+            <a:spLocks noGrp="1"/>
+          </p:cNvSpPr>
+          <p:nvPr>
+            <p:ph type="body" idx="1"/>
+          </p:nvPr>
+        </p:nvSpPr>
+        <p:spPr/>
+        <p:txBody>
+          <a:bodyPr/>
+          <a:lstStyle/>
+          <a:p>
+            <a:endParaRPr lang="en-PL" dirty="0"/>
+          </a:p>
+        </p:txBody>
+      </p:sp>
+      <p:sp>
+        <p:nvSpPr>
+          <p:cNvPr id="4" name="Slide Number Placeholder 3"/>
+          <p:cNvSpPr>
+            <a:spLocks noGrp="1"/>
+          </p:cNvSpPr>
+          <p:nvPr>
+            <p:ph type="sldNum" sz="quarter" idx="5"/>
+          </p:nvPr>
+        </p:nvSpPr>
+        <p:spPr/>
+        <p:txBody>
+          <a:bodyPr/>
+          <a:lstStyle/>
+          <a:p>
+            <a:fld id="{4C0502EF-92E4-C44F-83BE-58DA23951CC3}" type="slidenum">
+              <a:rPr lang="en-PL" smtClean="0"/>
+              <a:t>5</a:t>
+            </a:fld>
+            <a:endParaRPr lang="en-PL"/>
+          </a:p>
+        </p:txBody>
+      </p:sp>
+    </p:spTree>
+    <p:extLst>
+      <p:ext uri="{BB962C8B-B14F-4D97-AF65-F5344CB8AC3E}">
+        <p14:creationId xmlns:p14="http://schemas.microsoft.com/office/powerpoint/2010/main" val="1786179191"/>
+      </p:ext>
+    </p:extLst>
+  </p:cSld>
+  <p:clrMapOvr>
+    <a:masterClrMapping/>
+  </p:clrMapOvr>
+</p:notes>
+</file>
+
 <file path=ppt/slideLayouts/slideLayout1.xml><?xml version="1.0" encoding="utf-8"?>
 <p:sldLayout xmlns:a="http://schemas.openxmlformats.org/drawingml/2006/main" xmlns:r="http://schemas.openxmlformats.org/officeDocument/2006/relationships" xmlns:p="http://schemas.openxmlformats.org/presentationml/2006/main" type="title" preserve="1">
   <p:cSld name="Title Slide">
@@ -697,7 +786,7 @@
           <a:p>
             <a:fld id="{C930E3E6-A946-4049-9323-39F1B547A10C}" type="datetimeFigureOut">
               <a:rPr lang="en-PL" smtClean="0"/>
-              <a:t>27/04/2025</a:t>
+              <a:t>28/04/2025</a:t>
             </a:fld>
             <a:endParaRPr lang="en-PL"/>
           </a:p>
@@ -897,7 +986,7 @@
           <a:p>
             <a:fld id="{C930E3E6-A946-4049-9323-39F1B547A10C}" type="datetimeFigureOut">
               <a:rPr lang="en-PL" smtClean="0"/>
-              <a:t>27/04/2025</a:t>
+              <a:t>28/04/2025</a:t>
             </a:fld>
             <a:endParaRPr lang="en-PL"/>
           </a:p>
@@ -1107,7 +1196,7 @@
           <a:p>
             <a:fld id="{C930E3E6-A946-4049-9323-39F1B547A10C}" type="datetimeFigureOut">
               <a:rPr lang="en-PL" smtClean="0"/>
-              <a:t>27/04/2025</a:t>
+              <a:t>28/04/2025</a:t>
             </a:fld>
             <a:endParaRPr lang="en-PL"/>
           </a:p>
@@ -1307,7 +1396,7 @@
           <a:p>
             <a:fld id="{C930E3E6-A946-4049-9323-39F1B547A10C}" type="datetimeFigureOut">
               <a:rPr lang="en-PL" smtClean="0"/>
-              <a:t>27/04/2025</a:t>
+              <a:t>28/04/2025</a:t>
             </a:fld>
             <a:endParaRPr lang="en-PL"/>
           </a:p>
@@ -1583,7 +1672,7 @@
           <a:p>
             <a:fld id="{C930E3E6-A946-4049-9323-39F1B547A10C}" type="datetimeFigureOut">
               <a:rPr lang="en-PL" smtClean="0"/>
-              <a:t>27/04/2025</a:t>
+              <a:t>28/04/2025</a:t>
             </a:fld>
             <a:endParaRPr lang="en-PL"/>
           </a:p>
@@ -1851,7 +1940,7 @@
           <a:p>
             <a:fld id="{C930E3E6-A946-4049-9323-39F1B547A10C}" type="datetimeFigureOut">
               <a:rPr lang="en-PL" smtClean="0"/>
-              <a:t>27/04/2025</a:t>
+              <a:t>28/04/2025</a:t>
             </a:fld>
             <a:endParaRPr lang="en-PL"/>
           </a:p>
@@ -2266,7 +2355,7 @@
           <a:p>
             <a:fld id="{C930E3E6-A946-4049-9323-39F1B547A10C}" type="datetimeFigureOut">
               <a:rPr lang="en-PL" smtClean="0"/>
-              <a:t>27/04/2025</a:t>
+              <a:t>28/04/2025</a:t>
             </a:fld>
             <a:endParaRPr lang="en-PL"/>
           </a:p>
@@ -2408,7 +2497,7 @@
           <a:p>
             <a:fld id="{C930E3E6-A946-4049-9323-39F1B547A10C}" type="datetimeFigureOut">
               <a:rPr lang="en-PL" smtClean="0"/>
-              <a:t>27/04/2025</a:t>
+              <a:t>28/04/2025</a:t>
             </a:fld>
             <a:endParaRPr lang="en-PL"/>
           </a:p>
@@ -2521,7 +2610,7 @@
           <a:p>
             <a:fld id="{C930E3E6-A946-4049-9323-39F1B547A10C}" type="datetimeFigureOut">
               <a:rPr lang="en-PL" smtClean="0"/>
-              <a:t>27/04/2025</a:t>
+              <a:t>28/04/2025</a:t>
             </a:fld>
             <a:endParaRPr lang="en-PL"/>
           </a:p>
@@ -2834,7 +2923,7 @@
           <a:p>
             <a:fld id="{C930E3E6-A946-4049-9323-39F1B547A10C}" type="datetimeFigureOut">
               <a:rPr lang="en-PL" smtClean="0"/>
-              <a:t>27/04/2025</a:t>
+              <a:t>28/04/2025</a:t>
             </a:fld>
             <a:endParaRPr lang="en-PL"/>
           </a:p>
@@ -3123,7 +3212,7 @@
           <a:p>
             <a:fld id="{C930E3E6-A946-4049-9323-39F1B547A10C}" type="datetimeFigureOut">
               <a:rPr lang="en-PL" smtClean="0"/>
-              <a:t>27/04/2025</a:t>
+              <a:t>28/04/2025</a:t>
             </a:fld>
             <a:endParaRPr lang="en-PL"/>
           </a:p>
@@ -3366,7 +3455,7 @@
           <a:p>
             <a:fld id="{C930E3E6-A946-4049-9323-39F1B547A10C}" type="datetimeFigureOut">
               <a:rPr lang="en-PL" smtClean="0"/>
-              <a:t>27/04/2025</a:t>
+              <a:t>28/04/2025</a:t>
             </a:fld>
             <a:endParaRPr lang="en-PL"/>
           </a:p>
@@ -6298,7 +6387,27 @@
           <a:p>
             <a:r>
               <a:rPr lang="en-PL" dirty="0"/>
-              <a:t>Valence (Positive)</a:t>
+              <a:t>Valence </a:t>
+            </a:r>
+            <a:r>
+              <a:rPr lang="en-PL" dirty="0">
+                <a:solidFill>
+                  <a:schemeClr val="accent3"/>
+                </a:solidFill>
+              </a:rPr>
+              <a:t>(</a:t>
+            </a:r>
+            <a:r>
+              <a:rPr lang="en-PL" dirty="0"/>
+              <a:t>Positive</a:t>
+            </a:r>
+            <a:r>
+              <a:rPr lang="en-PL" dirty="0">
+                <a:solidFill>
+                  <a:schemeClr val="accent3"/>
+                </a:solidFill>
+              </a:rPr>
+              <a:t>)</a:t>
             </a:r>
           </a:p>
         </p:txBody>
@@ -6333,7 +6442,27 @@
           <a:p>
             <a:r>
               <a:rPr lang="en-PL" dirty="0"/>
-              <a:t>Valence (Negative)</a:t>
+              <a:t>Valence </a:t>
+            </a:r>
+            <a:r>
+              <a:rPr lang="en-PL" dirty="0">
+                <a:solidFill>
+                  <a:schemeClr val="accent6"/>
+                </a:solidFill>
+              </a:rPr>
+              <a:t>(</a:t>
+            </a:r>
+            <a:r>
+              <a:rPr lang="en-PL" dirty="0"/>
+              <a:t>Negative</a:t>
+            </a:r>
+            <a:r>
+              <a:rPr lang="en-PL" dirty="0">
+                <a:solidFill>
+                  <a:schemeClr val="accent6"/>
+                </a:solidFill>
+              </a:rPr>
+              <a:t>)</a:t>
             </a:r>
           </a:p>
         </p:txBody>
@@ -6376,7 +6505,37 @@
             <a:pPr algn="ctr"/>
             <a:r>
               <a:rPr lang="en-PL" sz="1050" b="1" dirty="0"/>
-              <a:t> (High Affiliation)</a:t>
+              <a:t> </a:t>
+            </a:r>
+            <a:r>
+              <a:rPr lang="en-PL" sz="1050" b="1" dirty="0">
+                <a:ln>
+                  <a:solidFill>
+                    <a:schemeClr val="accent1"/>
+                  </a:solidFill>
+                </a:ln>
+                <a:solidFill>
+                  <a:schemeClr val="accent1"/>
+                </a:solidFill>
+              </a:rPr>
+              <a:t>(</a:t>
+            </a:r>
+            <a:r>
+              <a:rPr lang="en-PL" sz="1050" b="1" dirty="0"/>
+              <a:t>High Affiliation</a:t>
+            </a:r>
+            <a:r>
+              <a:rPr lang="en-PL" sz="1050" b="1" dirty="0">
+                <a:ln>
+                  <a:solidFill>
+                    <a:schemeClr val="accent1"/>
+                  </a:solidFill>
+                </a:ln>
+                <a:solidFill>
+                  <a:schemeClr val="accent1"/>
+                </a:solidFill>
+              </a:rPr>
+              <a:t>)</a:t>
             </a:r>
           </a:p>
         </p:txBody>
@@ -6418,8 +6577,28 @@
           <a:p>
             <a:pPr algn="ctr"/>
             <a:r>
+              <a:rPr lang="en-PL" sz="1050" b="1" dirty="0">
+                <a:solidFill>
+                  <a:schemeClr val="accent5">
+                    <a:lumMod val="75000"/>
+                  </a:schemeClr>
+                </a:solidFill>
+              </a:rPr>
+              <a:t> (</a:t>
+            </a:r>
+            <a:r>
               <a:rPr lang="en-PL" sz="1050" b="1" dirty="0"/>
-              <a:t> (High Dominance)</a:t>
+              <a:t>High Dominance</a:t>
+            </a:r>
+            <a:r>
+              <a:rPr lang="en-PL" sz="1050" b="1" dirty="0">
+                <a:solidFill>
+                  <a:schemeClr val="accent5">
+                    <a:lumMod val="75000"/>
+                  </a:schemeClr>
+                </a:solidFill>
+              </a:rPr>
+              <a:t>)</a:t>
             </a:r>
           </a:p>
         </p:txBody>
@@ -6461,8 +6640,24 @@
           <a:p>
             <a:pPr algn="ctr"/>
             <a:r>
+              <a:rPr lang="en-PL" sz="1050" b="1" dirty="0">
+                <a:solidFill>
+                  <a:srgbClr val="7030A0"/>
+                </a:solidFill>
+              </a:rPr>
+              <a:t> (</a:t>
+            </a:r>
+            <a:r>
               <a:rPr lang="en-PL" sz="1050" b="1" dirty="0"/>
-              <a:t> (Low Affiliation)</a:t>
+              <a:t>Low Affiliation</a:t>
+            </a:r>
+            <a:r>
+              <a:rPr lang="en-PL" sz="1050" b="1" dirty="0">
+                <a:solidFill>
+                  <a:srgbClr val="7030A0"/>
+                </a:solidFill>
+              </a:rPr>
+              <a:t>)</a:t>
             </a:r>
           </a:p>
         </p:txBody>
@@ -6505,7 +6700,27 @@
             <a:pPr algn="ctr"/>
             <a:r>
               <a:rPr lang="en-PL" sz="1050" b="1" dirty="0"/>
-              <a:t> (Low Dominance)</a:t>
+              <a:t> </a:t>
+            </a:r>
+            <a:r>
+              <a:rPr lang="en-PL" sz="1050" b="1" dirty="0">
+                <a:solidFill>
+                  <a:schemeClr val="bg2"/>
+                </a:solidFill>
+              </a:rPr>
+              <a:t>(</a:t>
+            </a:r>
+            <a:r>
+              <a:rPr lang="en-PL" sz="1050" b="1" dirty="0"/>
+              <a:t>Low Dominance</a:t>
+            </a:r>
+            <a:r>
+              <a:rPr lang="en-PL" sz="1050" b="1" dirty="0">
+                <a:solidFill>
+                  <a:schemeClr val="bg2"/>
+                </a:solidFill>
+              </a:rPr>
+              <a:t>)</a:t>
             </a:r>
           </a:p>
         </p:txBody>
@@ -7485,78 +7700,6 @@
       </p:sp>
       <p:sp>
         <p:nvSpPr>
-          <p:cNvPr id="70" name="TextBox 69">
-            <a:extLst>
-              <a:ext uri="{FF2B5EF4-FFF2-40B4-BE49-F238E27FC236}">
-                <a16:creationId xmlns:a16="http://schemas.microsoft.com/office/drawing/2014/main" id="{7119B1BC-E2DE-2D53-B716-7835BB45D089}"/>
-              </a:ext>
-            </a:extLst>
-          </p:cNvPr>
-          <p:cNvSpPr txBox="1"/>
-          <p:nvPr/>
-        </p:nvSpPr>
-        <p:spPr>
-          <a:xfrm>
-            <a:off x="3858998" y="2404182"/>
-            <a:ext cx="912874" cy="415498"/>
-          </a:xfrm>
-          <a:prstGeom prst="rect">
-            <a:avLst/>
-          </a:prstGeom>
-          <a:noFill/>
-        </p:spPr>
-        <p:txBody>
-          <a:bodyPr wrap="square" rtlCol="0">
-            <a:spAutoFit/>
-          </a:bodyPr>
-          <a:lstStyle/>
-          <a:p>
-            <a:pPr algn="ctr"/>
-            <a:r>
-              <a:rPr lang="en-PL" sz="1050" dirty="0"/>
-              <a:t>Postive adjectives</a:t>
-            </a:r>
-          </a:p>
-        </p:txBody>
-      </p:sp>
-      <p:sp>
-        <p:nvSpPr>
-          <p:cNvPr id="71" name="TextBox 70">
-            <a:extLst>
-              <a:ext uri="{FF2B5EF4-FFF2-40B4-BE49-F238E27FC236}">
-                <a16:creationId xmlns:a16="http://schemas.microsoft.com/office/drawing/2014/main" id="{7088E619-A9D9-D197-5233-E411E5F949CE}"/>
-              </a:ext>
-            </a:extLst>
-          </p:cNvPr>
-          <p:cNvSpPr txBox="1"/>
-          <p:nvPr/>
-        </p:nvSpPr>
-        <p:spPr>
-          <a:xfrm>
-            <a:off x="7251555" y="2441036"/>
-            <a:ext cx="912874" cy="415498"/>
-          </a:xfrm>
-          <a:prstGeom prst="rect">
-            <a:avLst/>
-          </a:prstGeom>
-          <a:noFill/>
-        </p:spPr>
-        <p:txBody>
-          <a:bodyPr wrap="square" rtlCol="0">
-            <a:spAutoFit/>
-          </a:bodyPr>
-          <a:lstStyle/>
-          <a:p>
-            <a:pPr algn="ctr"/>
-            <a:r>
-              <a:rPr lang="en-PL" sz="1050" dirty="0"/>
-              <a:t>Negative adjectives</a:t>
-            </a:r>
-          </a:p>
-        </p:txBody>
-      </p:sp>
-      <p:sp>
-        <p:nvSpPr>
           <p:cNvPr id="72" name="TextBox 71">
             <a:extLst>
               <a:ext uri="{FF2B5EF4-FFF2-40B4-BE49-F238E27FC236}">
@@ -7750,42 +7893,6 @@
           </a:fontRef>
         </p:style>
       </p:cxnSp>
-      <p:sp>
-        <p:nvSpPr>
-          <p:cNvPr id="92" name="TextBox 91">
-            <a:extLst>
-              <a:ext uri="{FF2B5EF4-FFF2-40B4-BE49-F238E27FC236}">
-                <a16:creationId xmlns:a16="http://schemas.microsoft.com/office/drawing/2014/main" id="{2685444A-3E34-6532-BEBB-16263863E70A}"/>
-              </a:ext>
-            </a:extLst>
-          </p:cNvPr>
-          <p:cNvSpPr txBox="1"/>
-          <p:nvPr/>
-        </p:nvSpPr>
-        <p:spPr>
-          <a:xfrm>
-            <a:off x="3217740" y="1801966"/>
-            <a:ext cx="810916" cy="415498"/>
-          </a:xfrm>
-          <a:prstGeom prst="rect">
-            <a:avLst/>
-          </a:prstGeom>
-          <a:noFill/>
-        </p:spPr>
-        <p:txBody>
-          <a:bodyPr wrap="square" rtlCol="0">
-            <a:spAutoFit/>
-          </a:bodyPr>
-          <a:lstStyle/>
-          <a:p>
-            <a:pPr algn="ctr"/>
-            <a:r>
-              <a:rPr lang="en-PL" sz="1050" dirty="0"/>
-              <a:t>Social phobia</a:t>
-            </a:r>
-          </a:p>
-        </p:txBody>
-      </p:sp>
     </p:spTree>
     <p:extLst>
       <p:ext uri="{BB962C8B-B14F-4D97-AF65-F5344CB8AC3E}">
@@ -7818,10 +7925,10 @@
       </p:grpSpPr>
       <p:sp>
         <p:nvSpPr>
-          <p:cNvPr id="37" name="Rectangle 36">
-            <a:extLst>
-              <a:ext uri="{FF2B5EF4-FFF2-40B4-BE49-F238E27FC236}">
-                <a16:creationId xmlns:a16="http://schemas.microsoft.com/office/drawing/2014/main" id="{0EDCD66E-855A-97DF-08C9-73B411774622}"/>
+          <p:cNvPr id="8" name="Rectangle 7">
+            <a:extLst>
+              <a:ext uri="{FF2B5EF4-FFF2-40B4-BE49-F238E27FC236}">
+                <a16:creationId xmlns:a16="http://schemas.microsoft.com/office/drawing/2014/main" id="{97176073-3190-7A05-DF95-3062CC8EB894}"/>
               </a:ext>
             </a:extLst>
           </p:cNvPr>
@@ -7830,8 +7937,8 @@
         </p:nvSpPr>
         <p:spPr>
           <a:xfrm>
-            <a:off x="6096000" y="1237382"/>
-            <a:ext cx="6096000" cy="5620618"/>
+            <a:off x="6434275" y="4314670"/>
+            <a:ext cx="5557298" cy="2326035"/>
           </a:xfrm>
           <a:prstGeom prst="rect">
             <a:avLst/>
@@ -7870,10 +7977,10 @@
       </p:sp>
       <p:sp>
         <p:nvSpPr>
-          <p:cNvPr id="25" name="Rectangle 24">
-            <a:extLst>
-              <a:ext uri="{FF2B5EF4-FFF2-40B4-BE49-F238E27FC236}">
-                <a16:creationId xmlns:a16="http://schemas.microsoft.com/office/drawing/2014/main" id="{CC0EFF73-57EB-0B31-41FA-1D0A643023BF}"/>
+          <p:cNvPr id="7" name="Rectangle 6">
+            <a:extLst>
+              <a:ext uri="{FF2B5EF4-FFF2-40B4-BE49-F238E27FC236}">
+                <a16:creationId xmlns:a16="http://schemas.microsoft.com/office/drawing/2014/main" id="{030E054B-AAA3-F781-444A-F39DCBBF9132}"/>
               </a:ext>
             </a:extLst>
           </p:cNvPr>
@@ -7882,16 +7989,14 @@
         </p:nvSpPr>
         <p:spPr>
           <a:xfrm>
-            <a:off x="15507073" y="12276650"/>
-            <a:ext cx="928434" cy="899159"/>
+            <a:off x="0" y="5263081"/>
+            <a:ext cx="6161221" cy="1594919"/>
           </a:xfrm>
           <a:prstGeom prst="rect">
             <a:avLst/>
           </a:prstGeom>
           <a:solidFill>
-            <a:schemeClr val="bg1">
-              <a:lumMod val="85000"/>
-            </a:schemeClr>
+            <a:srgbClr val="D3D3D3"/>
           </a:solidFill>
           <a:ln>
             <a:noFill/>
@@ -7924,400 +8029,10 @@
       </p:sp>
       <p:sp>
         <p:nvSpPr>
-          <p:cNvPr id="2" name="Title 1">
-            <a:extLst>
-              <a:ext uri="{FF2B5EF4-FFF2-40B4-BE49-F238E27FC236}">
-                <a16:creationId xmlns:a16="http://schemas.microsoft.com/office/drawing/2014/main" id="{C5F795C0-DBF7-6841-C812-C89AE75F762A}"/>
-              </a:ext>
-            </a:extLst>
-          </p:cNvPr>
-          <p:cNvSpPr>
-            <a:spLocks noGrp="1"/>
-          </p:cNvSpPr>
-          <p:nvPr>
-            <p:ph type="title"/>
-          </p:nvPr>
-        </p:nvSpPr>
-        <p:spPr>
-          <a:xfrm>
-            <a:off x="0" y="-88181"/>
-            <a:ext cx="10515600" cy="1325563"/>
-          </a:xfrm>
-        </p:spPr>
-        <p:txBody>
-          <a:bodyPr/>
-          <a:lstStyle/>
-          <a:p>
-            <a:r>
-              <a:rPr lang="en-PL" dirty="0"/>
-              <a:t>The Model </a:t>
-            </a:r>
-            <a:br>
-              <a:rPr lang="en-PL" dirty="0"/>
-            </a:br>
-            <a:r>
-              <a:rPr lang="en-PL" dirty="0"/>
-              <a:t>(Theoretically)</a:t>
-            </a:r>
-          </a:p>
-        </p:txBody>
-      </p:sp>
-      <p:pic>
-        <p:nvPicPr>
-          <p:cNvPr id="19" name="Picture 18">
-            <a:extLst>
-              <a:ext uri="{FF2B5EF4-FFF2-40B4-BE49-F238E27FC236}">
-                <a16:creationId xmlns:a16="http://schemas.microsoft.com/office/drawing/2014/main" id="{56DB78D3-07F5-C705-F165-48933E178FAB}"/>
-              </a:ext>
-            </a:extLst>
-          </p:cNvPr>
-          <p:cNvPicPr>
-            <a:picLocks noChangeAspect="1"/>
-          </p:cNvPicPr>
-          <p:nvPr/>
-        </p:nvPicPr>
-        <p:blipFill>
-          <a:blip r:embed="rId3"/>
-          <a:srcRect l="26288" t="36850" r="26516" b="36849"/>
-          <a:stretch/>
-        </p:blipFill>
-        <p:spPr>
-          <a:xfrm>
-            <a:off x="6096000" y="211931"/>
-            <a:ext cx="5899420" cy="974687"/>
-          </a:xfrm>
-          <a:prstGeom prst="rect">
-            <a:avLst/>
-          </a:prstGeom>
-        </p:spPr>
-      </p:pic>
-      <p:sp>
-        <p:nvSpPr>
-          <p:cNvPr id="22" name="TextBox 21">
-            <a:extLst>
-              <a:ext uri="{FF2B5EF4-FFF2-40B4-BE49-F238E27FC236}">
-                <a16:creationId xmlns:a16="http://schemas.microsoft.com/office/drawing/2014/main" id="{4CFB6A5D-479A-514B-DD5E-9A857D78D9D1}"/>
-              </a:ext>
-            </a:extLst>
-          </p:cNvPr>
-          <p:cNvSpPr txBox="1"/>
-          <p:nvPr/>
-        </p:nvSpPr>
-        <p:spPr>
-          <a:xfrm>
-            <a:off x="1955289" y="5009165"/>
-            <a:ext cx="2187143" cy="253916"/>
-          </a:xfrm>
-          <a:prstGeom prst="rect">
-            <a:avLst/>
-          </a:prstGeom>
-          <a:noFill/>
-        </p:spPr>
-        <p:txBody>
-          <a:bodyPr wrap="square" rtlCol="0">
-            <a:spAutoFit/>
-          </a:bodyPr>
-          <a:lstStyle/>
-          <a:p>
-            <a:pPr algn="ctr"/>
-            <a:r>
-              <a:rPr lang="en-PL" sz="1050" dirty="0"/>
-              <a:t>Vandekerchhove et al, 2010</a:t>
-            </a:r>
-          </a:p>
-        </p:txBody>
-      </p:sp>
-      <p:pic>
-        <p:nvPicPr>
-          <p:cNvPr id="1028" name="Picture 4" descr="Babies Learning Language: Explorations in hierarchical drift diffusion  modeling">
-            <a:extLst>
-              <a:ext uri="{FF2B5EF4-FFF2-40B4-BE49-F238E27FC236}">
-                <a16:creationId xmlns:a16="http://schemas.microsoft.com/office/drawing/2014/main" id="{94AD2031-5748-669C-9351-E4E5266EA319}"/>
-              </a:ext>
-            </a:extLst>
-          </p:cNvPr>
-          <p:cNvPicPr>
-            <a:picLocks noChangeAspect="1" noChangeArrowheads="1"/>
-          </p:cNvPicPr>
-          <p:nvPr/>
-        </p:nvPicPr>
-        <p:blipFill>
-          <a:blip r:embed="rId4">
-            <a:extLst>
-              <a:ext uri="{28A0092B-C50C-407E-A947-70E740481C1C}">
-                <a14:useLocalDpi xmlns:a14="http://schemas.microsoft.com/office/drawing/2010/main" val="0"/>
-              </a:ext>
-            </a:extLst>
-          </a:blip>
-          <a:srcRect/>
-          <a:stretch>
-            <a:fillRect/>
-          </a:stretch>
-        </p:blipFill>
-        <p:spPr bwMode="auto">
-          <a:xfrm>
-            <a:off x="0" y="2199290"/>
-            <a:ext cx="6097722" cy="2809875"/>
-          </a:xfrm>
-          <a:prstGeom prst="rect">
-            <a:avLst/>
-          </a:prstGeom>
-          <a:noFill/>
-          <a:extLst>
-            <a:ext uri="{909E8E84-426E-40DD-AFC4-6F175D3DCCD1}">
-              <a14:hiddenFill xmlns:a14="http://schemas.microsoft.com/office/drawing/2010/main">
-                <a:solidFill>
-                  <a:srgbClr val="FFFFFF"/>
-                </a:solidFill>
-              </a14:hiddenFill>
-            </a:ext>
-          </a:extLst>
-        </p:spPr>
-      </p:pic>
-      <p:sp>
-        <p:nvSpPr>
-          <p:cNvPr id="23" name="TextBox 22">
-            <a:extLst>
-              <a:ext uri="{FF2B5EF4-FFF2-40B4-BE49-F238E27FC236}">
-                <a16:creationId xmlns:a16="http://schemas.microsoft.com/office/drawing/2014/main" id="{07490095-9712-991B-EE6F-299EE516F6F2}"/>
-              </a:ext>
-            </a:extLst>
-          </p:cNvPr>
-          <p:cNvSpPr txBox="1"/>
-          <p:nvPr/>
-        </p:nvSpPr>
-        <p:spPr>
-          <a:xfrm>
-            <a:off x="6257415" y="1609873"/>
-            <a:ext cx="5869270" cy="3400931"/>
-          </a:xfrm>
-          <a:prstGeom prst="rect">
-            <a:avLst/>
-          </a:prstGeom>
-          <a:noFill/>
-        </p:spPr>
-        <p:txBody>
-          <a:bodyPr wrap="square" rtlCol="0">
-            <a:spAutoFit/>
-          </a:bodyPr>
-          <a:lstStyle/>
-          <a:p>
-            <a:pPr algn="ctr"/>
-            <a:endParaRPr lang="en-PL" sz="1050" dirty="0"/>
-          </a:p>
-          <a:p>
-            <a:pPr algn="ctr"/>
-            <a:r>
-              <a:rPr lang="en-PL" sz="1050" dirty="0"/>
-              <a:t> Essentially you are taking </a:t>
-            </a:r>
-            <a:r>
-              <a:rPr lang="en-PL" sz="1050" b="1" dirty="0"/>
-              <a:t>multiple reactions time and choices </a:t>
-            </a:r>
-            <a:r>
-              <a:rPr lang="en-PL" sz="1050" dirty="0"/>
-              <a:t>within a certain binary response and fitting a drift rate over them.  </a:t>
-            </a:r>
-          </a:p>
-          <a:p>
-            <a:pPr algn="ctr"/>
-            <a:endParaRPr lang="en-PL" sz="1050" dirty="0"/>
-          </a:p>
-          <a:p>
-            <a:pPr algn="ctr"/>
-            <a:r>
-              <a:rPr lang="en-PL" sz="1050" dirty="0"/>
-              <a:t>There are a few variables in the drift rate model  which are calculated:</a:t>
-            </a:r>
-          </a:p>
-          <a:p>
-            <a:pPr algn="ctr"/>
-            <a:endParaRPr lang="en-PL" sz="1050" dirty="0"/>
-          </a:p>
-          <a:p>
-            <a:pPr algn="ctr"/>
-            <a:endParaRPr lang="en-PL" sz="1050" dirty="0"/>
-          </a:p>
-          <a:p>
-            <a:pPr algn="ctr"/>
-            <a:endParaRPr lang="en-PL" sz="1050" dirty="0"/>
-          </a:p>
-          <a:p>
-            <a:pPr marL="228600" indent="-228600" algn="l">
-              <a:buAutoNum type="arabicPeriod"/>
-            </a:pPr>
-            <a:r>
-              <a:rPr lang="en-GB" sz="1000" b="0" i="0" u="none" strike="noStrike" dirty="0">
-                <a:solidFill>
-                  <a:srgbClr val="000000"/>
-                </a:solidFill>
-                <a:effectLst/>
-                <a:latin typeface="Aptos" panose="020B0004020202020204" pitchFamily="34" charset="0"/>
-              </a:rPr>
-              <a:t>Drift rate (essentially velocity -speed with direction-)</a:t>
-            </a:r>
-          </a:p>
-          <a:p>
-            <a:pPr marL="228600" indent="-228600" algn="l">
-              <a:buAutoNum type="arabicPeriod"/>
-            </a:pPr>
-            <a:r>
-              <a:rPr lang="en-GB" sz="1000" dirty="0">
-                <a:solidFill>
-                  <a:srgbClr val="000000"/>
-                </a:solidFill>
-                <a:latin typeface="Aptos" panose="020B0004020202020204" pitchFamily="34" charset="0"/>
-              </a:rPr>
-              <a:t>Boundary separation (how far away the two choices are from each other dimensionally)</a:t>
-            </a:r>
-          </a:p>
-          <a:p>
-            <a:pPr marL="228600" indent="-228600" algn="l">
-              <a:buAutoNum type="arabicPeriod"/>
-            </a:pPr>
-            <a:r>
-              <a:rPr lang="en-GB" sz="1000" b="0" i="0" u="none" strike="noStrike" dirty="0">
-                <a:solidFill>
-                  <a:srgbClr val="000000"/>
-                </a:solidFill>
-                <a:effectLst/>
-                <a:latin typeface="Aptos" panose="020B0004020202020204" pitchFamily="34" charset="0"/>
-              </a:rPr>
-              <a:t>Non-decision time </a:t>
-            </a:r>
-          </a:p>
-          <a:p>
-            <a:pPr marL="228600" indent="-228600" algn="l">
-              <a:buAutoNum type="arabicPeriod"/>
-            </a:pPr>
-            <a:r>
-              <a:rPr lang="en-GB" sz="1000" dirty="0">
-                <a:solidFill>
-                  <a:srgbClr val="000000"/>
-                </a:solidFill>
-                <a:latin typeface="Aptos" panose="020B0004020202020204" pitchFamily="34" charset="0"/>
-              </a:rPr>
-              <a:t>Starting point bias</a:t>
-            </a:r>
-            <a:endParaRPr lang="en-GB" sz="1000" b="0" i="0" u="none" strike="noStrike" dirty="0">
-              <a:solidFill>
-                <a:srgbClr val="000000"/>
-              </a:solidFill>
-              <a:effectLst/>
-              <a:latin typeface="Aptos" panose="020B0004020202020204" pitchFamily="34" charset="0"/>
-            </a:endParaRPr>
-          </a:p>
-          <a:p>
-            <a:pPr algn="ctr"/>
-            <a:endParaRPr lang="en-GB" sz="1000" b="0" i="0" u="none" strike="noStrike" dirty="0">
-              <a:solidFill>
-                <a:srgbClr val="000000"/>
-              </a:solidFill>
-              <a:effectLst/>
-              <a:latin typeface="Aptos" panose="020B0004020202020204" pitchFamily="34" charset="0"/>
-            </a:endParaRPr>
-          </a:p>
-          <a:p>
-            <a:pPr algn="ctr"/>
-            <a:endParaRPr lang="en-GB" sz="1000" dirty="0">
-              <a:solidFill>
-                <a:srgbClr val="000000"/>
-              </a:solidFill>
-              <a:latin typeface="Aptos" panose="020B0004020202020204" pitchFamily="34" charset="0"/>
-            </a:endParaRPr>
-          </a:p>
-          <a:p>
-            <a:pPr algn="ctr"/>
-            <a:endParaRPr lang="en-GB" sz="1000" dirty="0">
-              <a:solidFill>
-                <a:srgbClr val="000000"/>
-              </a:solidFill>
-              <a:latin typeface="Aptos" panose="020B0004020202020204" pitchFamily="34" charset="0"/>
-            </a:endParaRPr>
-          </a:p>
-          <a:p>
-            <a:pPr algn="ctr"/>
-            <a:endParaRPr lang="en-GB" sz="1000" dirty="0">
-              <a:solidFill>
-                <a:srgbClr val="000000"/>
-              </a:solidFill>
-              <a:latin typeface="Aptos" panose="020B0004020202020204" pitchFamily="34" charset="0"/>
-            </a:endParaRPr>
-          </a:p>
-          <a:p>
-            <a:pPr algn="ctr"/>
-            <a:endParaRPr lang="en-GB" sz="1000" dirty="0">
-              <a:solidFill>
-                <a:srgbClr val="000000"/>
-              </a:solidFill>
-              <a:latin typeface="Aptos" panose="020B0004020202020204" pitchFamily="34" charset="0"/>
-            </a:endParaRPr>
-          </a:p>
-          <a:p>
-            <a:pPr algn="ctr"/>
-            <a:endParaRPr lang="en-GB" sz="1000" b="0" i="0" u="none" strike="noStrike" dirty="0">
-              <a:solidFill>
-                <a:srgbClr val="000000"/>
-              </a:solidFill>
-              <a:effectLst/>
-              <a:latin typeface="Aptos" panose="020B0004020202020204" pitchFamily="34" charset="0"/>
-            </a:endParaRPr>
-          </a:p>
-          <a:p>
-            <a:pPr algn="ctr"/>
-            <a:r>
-              <a:rPr lang="en-GB" sz="1000" b="0" i="0" u="none" strike="noStrike" dirty="0">
-                <a:solidFill>
-                  <a:srgbClr val="000000"/>
-                </a:solidFill>
-                <a:effectLst/>
-                <a:latin typeface="Aptos" panose="020B0004020202020204" pitchFamily="34" charset="0"/>
-              </a:rPr>
-              <a:t>In this </a:t>
-            </a:r>
-            <a:r>
-              <a:rPr lang="en-GB" sz="1000" dirty="0">
-                <a:solidFill>
-                  <a:srgbClr val="000000"/>
-                </a:solidFill>
-                <a:latin typeface="Aptos" panose="020B0004020202020204" pitchFamily="34" charset="0"/>
-              </a:rPr>
-              <a:t>data, we focus only on calculating the </a:t>
-            </a:r>
-            <a:r>
-              <a:rPr lang="en-GB" sz="1000" b="1" dirty="0">
-                <a:solidFill>
-                  <a:srgbClr val="000000"/>
-                </a:solidFill>
-                <a:latin typeface="Aptos" panose="020B0004020202020204" pitchFamily="34" charset="0"/>
-              </a:rPr>
-              <a:t>drift rate, </a:t>
-            </a:r>
-            <a:r>
-              <a:rPr lang="en-GB" sz="1000" dirty="0">
-                <a:solidFill>
-                  <a:srgbClr val="000000"/>
-                </a:solidFill>
-                <a:latin typeface="Aptos" panose="020B0004020202020204" pitchFamily="34" charset="0"/>
-              </a:rPr>
-              <a:t>based on the following: </a:t>
-            </a:r>
-          </a:p>
-          <a:p>
-            <a:br>
-              <a:rPr lang="en-GB" sz="1050" dirty="0"/>
-            </a:br>
-            <a:endParaRPr lang="en-PL" sz="1050" dirty="0"/>
-          </a:p>
-        </p:txBody>
-      </p:sp>
-      <p:sp>
-        <p:nvSpPr>
-          <p:cNvPr id="24" name="Rectangle 23">
-            <a:extLst>
-              <a:ext uri="{FF2B5EF4-FFF2-40B4-BE49-F238E27FC236}">
-                <a16:creationId xmlns:a16="http://schemas.microsoft.com/office/drawing/2014/main" id="{2C2D4A99-2A57-EBA1-6439-FA307FF11C8F}"/>
+          <p:cNvPr id="37" name="Rectangle 36">
+            <a:extLst>
+              <a:ext uri="{FF2B5EF4-FFF2-40B4-BE49-F238E27FC236}">
+                <a16:creationId xmlns:a16="http://schemas.microsoft.com/office/drawing/2014/main" id="{0EDCD66E-855A-97DF-08C9-73B411774622}"/>
               </a:ext>
             </a:extLst>
           </p:cNvPr>
@@ -8326,17 +8041,17 @@
         </p:nvSpPr>
         <p:spPr>
           <a:xfrm>
-            <a:off x="8245366" y="283779"/>
-            <a:ext cx="1095703" cy="822323"/>
+            <a:off x="6177960" y="2868115"/>
+            <a:ext cx="5256561" cy="719658"/>
           </a:xfrm>
           <a:prstGeom prst="rect">
             <a:avLst/>
           </a:prstGeom>
-          <a:noFill/>
-          <a:ln w="38100">
-            <a:solidFill>
-              <a:schemeClr val="tx2"/>
-            </a:solidFill>
+          <a:solidFill>
+            <a:srgbClr val="D3D3D3"/>
+          </a:solidFill>
+          <a:ln>
+            <a:noFill/>
           </a:ln>
         </p:spPr>
         <p:style>
@@ -8364,56 +8079,12 @@
           </a:p>
         </p:txBody>
       </p:sp>
-      <p:cxnSp>
-        <p:nvCxnSpPr>
-          <p:cNvPr id="27" name="Straight Connector 26">
-            <a:extLst>
-              <a:ext uri="{FF2B5EF4-FFF2-40B4-BE49-F238E27FC236}">
-                <a16:creationId xmlns:a16="http://schemas.microsoft.com/office/drawing/2014/main" id="{82B73ABC-F1EF-DAE6-D16A-467CE5A23FBC}"/>
-              </a:ext>
-            </a:extLst>
-          </p:cNvPr>
-          <p:cNvCxnSpPr>
-            <a:cxnSpLocks/>
-            <a:stCxn id="24" idx="2"/>
-          </p:cNvCxnSpPr>
-          <p:nvPr/>
-        </p:nvCxnSpPr>
-        <p:spPr>
-          <a:xfrm>
-            <a:off x="8793218" y="1106102"/>
-            <a:ext cx="150794" cy="705548"/>
-          </a:xfrm>
-          <a:prstGeom prst="line">
-            <a:avLst/>
-          </a:prstGeom>
-          <a:ln w="12700">
-            <a:solidFill>
-              <a:schemeClr val="tx2"/>
-            </a:solidFill>
-          </a:ln>
-        </p:spPr>
-        <p:style>
-          <a:lnRef idx="2">
-            <a:schemeClr val="dk1"/>
-          </a:lnRef>
-          <a:fillRef idx="0">
-            <a:schemeClr val="dk1"/>
-          </a:fillRef>
-          <a:effectRef idx="1">
-            <a:schemeClr val="dk1"/>
-          </a:effectRef>
-          <a:fontRef idx="minor">
-            <a:schemeClr val="tx1"/>
-          </a:fontRef>
-        </p:style>
-      </p:cxnSp>
-      <p:sp>
-        <p:nvSpPr>
-          <p:cNvPr id="29" name="Rectangle 28">
-            <a:extLst>
-              <a:ext uri="{FF2B5EF4-FFF2-40B4-BE49-F238E27FC236}">
-                <a16:creationId xmlns:a16="http://schemas.microsoft.com/office/drawing/2014/main" id="{AF276BF1-B788-2110-57DA-481166B0567B}"/>
+      <p:sp>
+        <p:nvSpPr>
+          <p:cNvPr id="25" name="Rectangle 24">
+            <a:extLst>
+              <a:ext uri="{FF2B5EF4-FFF2-40B4-BE49-F238E27FC236}">
+                <a16:creationId xmlns:a16="http://schemas.microsoft.com/office/drawing/2014/main" id="{CC0EFF73-57EB-0B31-41FA-1D0A643023BF}"/>
               </a:ext>
             </a:extLst>
           </p:cNvPr>
@@ -8422,17 +8093,19 @@
         </p:nvSpPr>
         <p:spPr>
           <a:xfrm>
-            <a:off x="7914182" y="1811650"/>
-            <a:ext cx="2207173" cy="173419"/>
+            <a:off x="15507073" y="12276650"/>
+            <a:ext cx="928434" cy="899159"/>
           </a:xfrm>
           <a:prstGeom prst="rect">
             <a:avLst/>
           </a:prstGeom>
-          <a:noFill/>
-          <a:ln w="12700">
-            <a:solidFill>
-              <a:schemeClr val="tx2"/>
-            </a:solidFill>
+          <a:solidFill>
+            <a:schemeClr val="bg1">
+              <a:lumMod val="85000"/>
+            </a:schemeClr>
+          </a:solidFill>
+          <a:ln>
+            <a:noFill/>
           </a:ln>
         </p:spPr>
         <p:style>
@@ -8460,12 +8133,117 @@
           </a:p>
         </p:txBody>
       </p:sp>
+      <p:sp>
+        <p:nvSpPr>
+          <p:cNvPr id="2" name="Title 1">
+            <a:extLst>
+              <a:ext uri="{FF2B5EF4-FFF2-40B4-BE49-F238E27FC236}">
+                <a16:creationId xmlns:a16="http://schemas.microsoft.com/office/drawing/2014/main" id="{C5F795C0-DBF7-6841-C812-C89AE75F762A}"/>
+              </a:ext>
+            </a:extLst>
+          </p:cNvPr>
+          <p:cNvSpPr>
+            <a:spLocks noGrp="1"/>
+          </p:cNvSpPr>
+          <p:nvPr>
+            <p:ph type="title"/>
+          </p:nvPr>
+        </p:nvSpPr>
+        <p:spPr>
+          <a:xfrm>
+            <a:off x="0" y="-88181"/>
+            <a:ext cx="10515600" cy="1325563"/>
+          </a:xfrm>
+        </p:spPr>
+        <p:txBody>
+          <a:bodyPr/>
+          <a:lstStyle/>
+          <a:p>
+            <a:r>
+              <a:rPr lang="en-PL" dirty="0"/>
+              <a:t>The Model </a:t>
+            </a:r>
+            <a:br>
+              <a:rPr lang="en-PL" dirty="0"/>
+            </a:br>
+            <a:r>
+              <a:rPr lang="en-PL" dirty="0"/>
+              <a:t>(Theoretically)</a:t>
+            </a:r>
+          </a:p>
+        </p:txBody>
+      </p:sp>
       <p:pic>
         <p:nvPicPr>
-          <p:cNvPr id="1036" name="Picture 12" descr="Output image">
-            <a:extLst>
-              <a:ext uri="{FF2B5EF4-FFF2-40B4-BE49-F238E27FC236}">
-                <a16:creationId xmlns:a16="http://schemas.microsoft.com/office/drawing/2014/main" id="{9FF43EFA-F397-0E49-A87E-2B2A5835B557}"/>
+          <p:cNvPr id="19" name="Picture 18">
+            <a:extLst>
+              <a:ext uri="{FF2B5EF4-FFF2-40B4-BE49-F238E27FC236}">
+                <a16:creationId xmlns:a16="http://schemas.microsoft.com/office/drawing/2014/main" id="{56DB78D3-07F5-C705-F165-48933E178FAB}"/>
+              </a:ext>
+            </a:extLst>
+          </p:cNvPr>
+          <p:cNvPicPr>
+            <a:picLocks noChangeAspect="1"/>
+          </p:cNvPicPr>
+          <p:nvPr/>
+        </p:nvPicPr>
+        <p:blipFill>
+          <a:blip r:embed="rId3"/>
+          <a:srcRect l="26288" t="36850" r="26516" b="36849"/>
+          <a:stretch/>
+        </p:blipFill>
+        <p:spPr>
+          <a:xfrm>
+            <a:off x="6096000" y="211931"/>
+            <a:ext cx="5899420" cy="974687"/>
+          </a:xfrm>
+          <a:prstGeom prst="rect">
+            <a:avLst/>
+          </a:prstGeom>
+        </p:spPr>
+      </p:pic>
+      <p:sp>
+        <p:nvSpPr>
+          <p:cNvPr id="22" name="TextBox 21">
+            <a:extLst>
+              <a:ext uri="{FF2B5EF4-FFF2-40B4-BE49-F238E27FC236}">
+                <a16:creationId xmlns:a16="http://schemas.microsoft.com/office/drawing/2014/main" id="{4CFB6A5D-479A-514B-DD5E-9A857D78D9D1}"/>
+              </a:ext>
+            </a:extLst>
+          </p:cNvPr>
+          <p:cNvSpPr txBox="1"/>
+          <p:nvPr/>
+        </p:nvSpPr>
+        <p:spPr>
+          <a:xfrm>
+            <a:off x="1955289" y="5009165"/>
+            <a:ext cx="2187143" cy="253916"/>
+          </a:xfrm>
+          <a:prstGeom prst="rect">
+            <a:avLst/>
+          </a:prstGeom>
+          <a:noFill/>
+        </p:spPr>
+        <p:txBody>
+          <a:bodyPr wrap="square" rtlCol="0">
+            <a:spAutoFit/>
+          </a:bodyPr>
+          <a:lstStyle/>
+          <a:p>
+            <a:pPr algn="ctr"/>
+            <a:r>
+              <a:rPr lang="en-PL" sz="1050" dirty="0"/>
+              <a:t>Vandekerchhove et al, 2010</a:t>
+            </a:r>
+          </a:p>
+        </p:txBody>
+      </p:sp>
+      <p:pic>
+        <p:nvPicPr>
+          <p:cNvPr id="1028" name="Picture 4" descr="Babies Learning Language: Explorations in hierarchical drift diffusion  modeling">
+            <a:extLst>
+              <a:ext uri="{FF2B5EF4-FFF2-40B4-BE49-F238E27FC236}">
+                <a16:creationId xmlns:a16="http://schemas.microsoft.com/office/drawing/2014/main" id="{94AD2031-5748-669C-9351-E4E5266EA319}"/>
               </a:ext>
             </a:extLst>
           </p:cNvPr>
@@ -8475,7 +8253,7 @@
           <p:nvPr/>
         </p:nvPicPr>
         <p:blipFill>
-          <a:blip r:embed="rId5">
+          <a:blip r:embed="rId4">
             <a:extLst>
               <a:ext uri="{28A0092B-C50C-407E-A947-70E740481C1C}">
                 <a14:useLocalDpi xmlns:a14="http://schemas.microsoft.com/office/drawing/2010/main" val="0"/>
@@ -8489,8 +8267,8 @@
         </p:blipFill>
         <p:spPr bwMode="auto">
           <a:xfrm>
-            <a:off x="6171532" y="5204887"/>
-            <a:ext cx="3485300" cy="920853"/>
+            <a:off x="0" y="2199290"/>
+            <a:ext cx="6097722" cy="2809875"/>
           </a:xfrm>
           <a:prstGeom prst="rect">
             <a:avLst/>
@@ -8507,102 +8285,262 @@
           </a:extLst>
         </p:spPr>
       </p:pic>
-      <p:pic>
-        <p:nvPicPr>
-          <p:cNvPr id="1040" name="Picture 16" descr="Output image">
-            <a:extLst>
-              <a:ext uri="{FF2B5EF4-FFF2-40B4-BE49-F238E27FC236}">
-                <a16:creationId xmlns:a16="http://schemas.microsoft.com/office/drawing/2014/main" id="{2D406756-6DF2-D923-DBC0-38D4AE50250B}"/>
-              </a:ext>
-            </a:extLst>
-          </p:cNvPr>
-          <p:cNvPicPr>
-            <a:picLocks noChangeAspect="1" noChangeArrowheads="1"/>
-          </p:cNvPicPr>
+      <p:sp>
+        <p:nvSpPr>
+          <p:cNvPr id="23" name="TextBox 22">
+            <a:extLst>
+              <a:ext uri="{FF2B5EF4-FFF2-40B4-BE49-F238E27FC236}">
+                <a16:creationId xmlns:a16="http://schemas.microsoft.com/office/drawing/2014/main" id="{07490095-9712-991B-EE6F-299EE516F6F2}"/>
+              </a:ext>
+            </a:extLst>
+          </p:cNvPr>
+          <p:cNvSpPr txBox="1"/>
           <p:nvPr/>
-        </p:nvPicPr>
-        <p:blipFill>
-          <a:blip r:embed="rId6">
-            <a:extLst>
-              <a:ext uri="{28A0092B-C50C-407E-A947-70E740481C1C}">
-                <a14:useLocalDpi xmlns:a14="http://schemas.microsoft.com/office/drawing/2010/main" val="0"/>
-              </a:ext>
-            </a:extLst>
-          </a:blip>
-          <a:srcRect/>
-          <a:stretch>
-            <a:fillRect/>
-          </a:stretch>
-        </p:blipFill>
-        <p:spPr bwMode="auto">
-          <a:xfrm>
-            <a:off x="9193820" y="4712741"/>
-            <a:ext cx="2721278" cy="2049463"/>
+        </p:nvSpPr>
+        <p:spPr>
+          <a:xfrm>
+            <a:off x="6257415" y="1609873"/>
+            <a:ext cx="5869270" cy="3524042"/>
           </a:xfrm>
           <a:prstGeom prst="rect">
             <a:avLst/>
           </a:prstGeom>
           <a:noFill/>
-          <a:extLst>
-            <a:ext uri="{909E8E84-426E-40DD-AFC4-6F175D3DCCD1}">
-              <a14:hiddenFill xmlns:a14="http://schemas.microsoft.com/office/drawing/2010/main">
+        </p:spPr>
+        <p:txBody>
+          <a:bodyPr wrap="square" rtlCol="0">
+            <a:spAutoFit/>
+          </a:bodyPr>
+          <a:lstStyle/>
+          <a:p>
+            <a:pPr algn="ctr"/>
+            <a:endParaRPr lang="en-PL" sz="1050" dirty="0"/>
+          </a:p>
+          <a:p>
+            <a:pPr algn="ctr"/>
+            <a:r>
+              <a:rPr lang="en-PL" sz="1050" dirty="0"/>
+              <a:t> Essentially you are taking </a:t>
+            </a:r>
+            <a:r>
+              <a:rPr lang="en-PL" sz="1050" b="1" dirty="0"/>
+              <a:t>multiple reactions time and choices </a:t>
+            </a:r>
+            <a:r>
+              <a:rPr lang="en-PL" sz="1050" dirty="0"/>
+              <a:t>within a certain binary response and fitting a drift rate over them.</a:t>
+            </a:r>
+          </a:p>
+          <a:p>
+            <a:pPr algn="ctr"/>
+            <a:endParaRPr lang="en-PL" sz="1050" dirty="0"/>
+          </a:p>
+          <a:p>
+            <a:pPr algn="ctr"/>
+            <a:r>
+              <a:rPr lang="en-PL" sz="1050" dirty="0"/>
+              <a:t>Drift rates try to model the inferred aspects of a decision made gives outcome and time taken.  </a:t>
+            </a:r>
+          </a:p>
+          <a:p>
+            <a:pPr algn="ctr"/>
+            <a:r>
+              <a:rPr lang="en-PL" sz="1050" dirty="0"/>
+              <a:t>There are a few variables in the drift rate model  which are calculated:</a:t>
+            </a:r>
+          </a:p>
+          <a:p>
+            <a:pPr algn="ctr"/>
+            <a:endParaRPr lang="en-PL" sz="1050" dirty="0"/>
+          </a:p>
+          <a:p>
+            <a:pPr algn="ctr"/>
+            <a:endParaRPr lang="en-PL" sz="1050" dirty="0"/>
+          </a:p>
+          <a:p>
+            <a:pPr marL="228600" indent="-228600" algn="l">
+              <a:buAutoNum type="arabicPeriod"/>
+            </a:pPr>
+            <a:r>
+              <a:rPr lang="en-GB" sz="1000" b="0" i="0" u="none" strike="noStrike" dirty="0">
                 <a:solidFill>
-                  <a:srgbClr val="FFFFFF"/>
+                  <a:srgbClr val="000000"/>
                 </a:solidFill>
-              </a14:hiddenFill>
-            </a:ext>
-          </a:extLst>
-        </p:spPr>
-      </p:pic>
-      <p:cxnSp>
-        <p:nvCxnSpPr>
-          <p:cNvPr id="38" name="Straight Connector 37">
-            <a:extLst>
-              <a:ext uri="{FF2B5EF4-FFF2-40B4-BE49-F238E27FC236}">
-                <a16:creationId xmlns:a16="http://schemas.microsoft.com/office/drawing/2014/main" id="{687BDA3F-E39D-E879-8DD1-1CD78366B88C}"/>
-              </a:ext>
-            </a:extLst>
-          </p:cNvPr>
-          <p:cNvCxnSpPr>
-            <a:cxnSpLocks/>
-          </p:cNvCxnSpPr>
-          <p:nvPr/>
-        </p:nvCxnSpPr>
-        <p:spPr>
-          <a:xfrm flipV="1">
-            <a:off x="5545230" y="3088433"/>
-            <a:ext cx="646870" cy="218058"/>
-          </a:xfrm>
-          <a:prstGeom prst="line">
-            <a:avLst/>
-          </a:prstGeom>
-          <a:ln w="12700">
-            <a:solidFill>
-              <a:schemeClr val="tx2"/>
-            </a:solidFill>
-          </a:ln>
-        </p:spPr>
-        <p:style>
-          <a:lnRef idx="2">
-            <a:schemeClr val="dk1"/>
-          </a:lnRef>
-          <a:fillRef idx="0">
-            <a:schemeClr val="dk1"/>
-          </a:fillRef>
-          <a:effectRef idx="1">
-            <a:schemeClr val="dk1"/>
-          </a:effectRef>
-          <a:fontRef idx="minor">
-            <a:schemeClr val="tx1"/>
-          </a:fontRef>
-        </p:style>
-      </p:cxnSp>
-      <p:sp>
-        <p:nvSpPr>
-          <p:cNvPr id="41" name="Rectangle 40">
-            <a:extLst>
-              <a:ext uri="{FF2B5EF4-FFF2-40B4-BE49-F238E27FC236}">
-                <a16:creationId xmlns:a16="http://schemas.microsoft.com/office/drawing/2014/main" id="{F2C9D812-8999-F17E-2B8D-EB0A73F7009C}"/>
+                <a:effectLst/>
+                <a:latin typeface="Aptos" panose="020B0004020202020204" pitchFamily="34" charset="0"/>
+              </a:rPr>
+              <a:t>Drift rate (essentially velocity -speed with direction-)</a:t>
+            </a:r>
+          </a:p>
+          <a:p>
+            <a:pPr marL="228600" indent="-228600" algn="l">
+              <a:buAutoNum type="arabicPeriod"/>
+            </a:pPr>
+            <a:r>
+              <a:rPr lang="en-GB" sz="1000" dirty="0">
+                <a:solidFill>
+                  <a:srgbClr val="000000"/>
+                </a:solidFill>
+                <a:latin typeface="Aptos" panose="020B0004020202020204" pitchFamily="34" charset="0"/>
+              </a:rPr>
+              <a:t>Boundary separation (how far away the two choices are from each other dimensionally)</a:t>
+            </a:r>
+          </a:p>
+          <a:p>
+            <a:pPr marL="228600" indent="-228600" algn="l">
+              <a:buAutoNum type="arabicPeriod"/>
+            </a:pPr>
+            <a:r>
+              <a:rPr lang="en-GB" sz="1000" b="0" i="0" u="none" strike="noStrike" dirty="0">
+                <a:solidFill>
+                  <a:srgbClr val="000000"/>
+                </a:solidFill>
+                <a:effectLst/>
+                <a:latin typeface="Aptos" panose="020B0004020202020204" pitchFamily="34" charset="0"/>
+              </a:rPr>
+              <a:t>Non-decision time </a:t>
+            </a:r>
+          </a:p>
+          <a:p>
+            <a:pPr marL="228600" indent="-228600" algn="l">
+              <a:buAutoNum type="arabicPeriod"/>
+            </a:pPr>
+            <a:r>
+              <a:rPr lang="en-GB" sz="1000" dirty="0">
+                <a:solidFill>
+                  <a:srgbClr val="000000"/>
+                </a:solidFill>
+                <a:latin typeface="Aptos" panose="020B0004020202020204" pitchFamily="34" charset="0"/>
+              </a:rPr>
+              <a:t>Starting point bias</a:t>
+            </a:r>
+            <a:endParaRPr lang="en-GB" sz="1000" b="0" i="0" u="none" strike="noStrike" dirty="0">
+              <a:solidFill>
+                <a:srgbClr val="000000"/>
+              </a:solidFill>
+              <a:effectLst/>
+              <a:latin typeface="Aptos" panose="020B0004020202020204" pitchFamily="34" charset="0"/>
+            </a:endParaRPr>
+          </a:p>
+          <a:p>
+            <a:pPr algn="ctr"/>
+            <a:endParaRPr lang="en-GB" sz="1000" b="0" i="0" u="none" strike="noStrike" dirty="0">
+              <a:solidFill>
+                <a:srgbClr val="000000"/>
+              </a:solidFill>
+              <a:effectLst/>
+              <a:latin typeface="Aptos" panose="020B0004020202020204" pitchFamily="34" charset="0"/>
+            </a:endParaRPr>
+          </a:p>
+          <a:p>
+            <a:pPr algn="ctr"/>
+            <a:endParaRPr lang="en-GB" sz="1000" dirty="0">
+              <a:solidFill>
+                <a:srgbClr val="000000"/>
+              </a:solidFill>
+              <a:latin typeface="Aptos" panose="020B0004020202020204" pitchFamily="34" charset="0"/>
+            </a:endParaRPr>
+          </a:p>
+          <a:p>
+            <a:pPr algn="ctr"/>
+            <a:endParaRPr lang="en-GB" sz="1000" dirty="0">
+              <a:solidFill>
+                <a:srgbClr val="000000"/>
+              </a:solidFill>
+              <a:latin typeface="Aptos" panose="020B0004020202020204" pitchFamily="34" charset="0"/>
+            </a:endParaRPr>
+          </a:p>
+          <a:p>
+            <a:pPr algn="ctr"/>
+            <a:endParaRPr lang="en-GB" sz="1000" dirty="0">
+              <a:solidFill>
+                <a:srgbClr val="000000"/>
+              </a:solidFill>
+              <a:latin typeface="Aptos" panose="020B0004020202020204" pitchFamily="34" charset="0"/>
+            </a:endParaRPr>
+          </a:p>
+          <a:p>
+            <a:pPr algn="ctr"/>
+            <a:endParaRPr lang="en-GB" sz="1000" dirty="0">
+              <a:solidFill>
+                <a:srgbClr val="000000"/>
+              </a:solidFill>
+              <a:latin typeface="Aptos" panose="020B0004020202020204" pitchFamily="34" charset="0"/>
+            </a:endParaRPr>
+          </a:p>
+          <a:p>
+            <a:pPr algn="ctr"/>
+            <a:endParaRPr lang="en-GB" sz="1000" b="0" i="0" u="none" strike="noStrike" dirty="0">
+              <a:solidFill>
+                <a:srgbClr val="000000"/>
+              </a:solidFill>
+              <a:effectLst/>
+              <a:latin typeface="Aptos" panose="020B0004020202020204" pitchFamily="34" charset="0"/>
+            </a:endParaRPr>
+          </a:p>
+          <a:p>
+            <a:pPr algn="ctr"/>
+            <a:r>
+              <a:rPr lang="en-GB" sz="2000" b="0" i="0" u="none" strike="noStrike" dirty="0">
+                <a:solidFill>
+                  <a:srgbClr val="000000"/>
+                </a:solidFill>
+                <a:effectLst/>
+                <a:latin typeface="Aptos" panose="020B0004020202020204" pitchFamily="34" charset="0"/>
+              </a:rPr>
+              <a:t>In this </a:t>
+            </a:r>
+            <a:r>
+              <a:rPr lang="en-GB" sz="2000" dirty="0">
+                <a:solidFill>
+                  <a:srgbClr val="000000"/>
+                </a:solidFill>
+                <a:latin typeface="Aptos" panose="020B0004020202020204" pitchFamily="34" charset="0"/>
+              </a:rPr>
+              <a:t>data</a:t>
+            </a:r>
+            <a:r>
+              <a:rPr lang="en-GB" sz="1000" dirty="0">
+                <a:solidFill>
+                  <a:srgbClr val="000000"/>
+                </a:solidFill>
+                <a:latin typeface="Aptos" panose="020B0004020202020204" pitchFamily="34" charset="0"/>
+              </a:rPr>
+              <a:t>, we focus only on calculating the </a:t>
+            </a:r>
+            <a:r>
+              <a:rPr lang="en-GB" sz="1000" b="1" dirty="0">
+                <a:solidFill>
+                  <a:srgbClr val="000000"/>
+                </a:solidFill>
+                <a:latin typeface="Aptos" panose="020B0004020202020204" pitchFamily="34" charset="0"/>
+              </a:rPr>
+              <a:t>drift rate, </a:t>
+            </a:r>
+            <a:r>
+              <a:rPr lang="en-GB" sz="1000" dirty="0">
+                <a:solidFill>
+                  <a:srgbClr val="000000"/>
+                </a:solidFill>
+                <a:latin typeface="Aptos" panose="020B0004020202020204" pitchFamily="34" charset="0"/>
+              </a:rPr>
+              <a:t>based on the following: </a:t>
+            </a:r>
+          </a:p>
+          <a:p>
+            <a:br>
+              <a:rPr lang="en-GB" sz="1050" dirty="0"/>
+            </a:br>
+            <a:endParaRPr lang="en-PL" sz="1050" dirty="0"/>
+          </a:p>
+        </p:txBody>
+      </p:sp>
+      <p:sp>
+        <p:nvSpPr>
+          <p:cNvPr id="24" name="Rectangle 23">
+            <a:extLst>
+              <a:ext uri="{FF2B5EF4-FFF2-40B4-BE49-F238E27FC236}">
+                <a16:creationId xmlns:a16="http://schemas.microsoft.com/office/drawing/2014/main" id="{2C2D4A99-2A57-EBA1-6439-FA307FF11C8F}"/>
               </a:ext>
             </a:extLst>
           </p:cNvPr>
@@ -8611,14 +8549,14 @@
         </p:nvSpPr>
         <p:spPr>
           <a:xfrm>
-            <a:off x="6192100" y="2868115"/>
-            <a:ext cx="5256561" cy="719658"/>
+            <a:off x="8245366" y="283779"/>
+            <a:ext cx="1095703" cy="822323"/>
           </a:xfrm>
           <a:prstGeom prst="rect">
             <a:avLst/>
           </a:prstGeom>
           <a:noFill/>
-          <a:ln w="12700">
+          <a:ln w="38100">
             <a:solidFill>
               <a:schemeClr val="tx2"/>
             </a:solidFill>
@@ -8649,12 +8587,56 @@
           </a:p>
         </p:txBody>
       </p:sp>
-      <p:sp>
-        <p:nvSpPr>
-          <p:cNvPr id="42" name="Rectangle 41">
-            <a:extLst>
-              <a:ext uri="{FF2B5EF4-FFF2-40B4-BE49-F238E27FC236}">
-                <a16:creationId xmlns:a16="http://schemas.microsoft.com/office/drawing/2014/main" id="{49622DF3-6188-1453-57F1-8610E379C958}"/>
+      <p:cxnSp>
+        <p:nvCxnSpPr>
+          <p:cNvPr id="27" name="Straight Connector 26">
+            <a:extLst>
+              <a:ext uri="{FF2B5EF4-FFF2-40B4-BE49-F238E27FC236}">
+                <a16:creationId xmlns:a16="http://schemas.microsoft.com/office/drawing/2014/main" id="{82B73ABC-F1EF-DAE6-D16A-467CE5A23FBC}"/>
+              </a:ext>
+            </a:extLst>
+          </p:cNvPr>
+          <p:cNvCxnSpPr>
+            <a:cxnSpLocks/>
+            <a:stCxn id="24" idx="2"/>
+          </p:cNvCxnSpPr>
+          <p:nvPr/>
+        </p:nvCxnSpPr>
+        <p:spPr>
+          <a:xfrm>
+            <a:off x="8793218" y="1106102"/>
+            <a:ext cx="150794" cy="705548"/>
+          </a:xfrm>
+          <a:prstGeom prst="line">
+            <a:avLst/>
+          </a:prstGeom>
+          <a:ln w="12700">
+            <a:solidFill>
+              <a:schemeClr val="tx2"/>
+            </a:solidFill>
+          </a:ln>
+        </p:spPr>
+        <p:style>
+          <a:lnRef idx="2">
+            <a:schemeClr val="dk1"/>
+          </a:lnRef>
+          <a:fillRef idx="0">
+            <a:schemeClr val="dk1"/>
+          </a:fillRef>
+          <a:effectRef idx="1">
+            <a:schemeClr val="dk1"/>
+          </a:effectRef>
+          <a:fontRef idx="minor">
+            <a:schemeClr val="tx1"/>
+          </a:fontRef>
+        </p:style>
+      </p:cxnSp>
+      <p:sp>
+        <p:nvSpPr>
+          <p:cNvPr id="29" name="Rectangle 28">
+            <a:extLst>
+              <a:ext uri="{FF2B5EF4-FFF2-40B4-BE49-F238E27FC236}">
+                <a16:creationId xmlns:a16="http://schemas.microsoft.com/office/drawing/2014/main" id="{AF276BF1-B788-2110-57DA-481166B0567B}"/>
               </a:ext>
             </a:extLst>
           </p:cNvPr>
@@ -8663,8 +8645,8 @@
         </p:nvSpPr>
         <p:spPr>
           <a:xfrm>
-            <a:off x="6438123" y="4320033"/>
-            <a:ext cx="5557298" cy="2326035"/>
+            <a:off x="7914182" y="1811650"/>
+            <a:ext cx="2207173" cy="173419"/>
           </a:xfrm>
           <a:prstGeom prst="rect">
             <a:avLst/>
@@ -8701,6 +8683,242 @@
           </a:p>
         </p:txBody>
       </p:sp>
+      <p:pic>
+        <p:nvPicPr>
+          <p:cNvPr id="1036" name="Picture 12" descr="Output image">
+            <a:extLst>
+              <a:ext uri="{FF2B5EF4-FFF2-40B4-BE49-F238E27FC236}">
+                <a16:creationId xmlns:a16="http://schemas.microsoft.com/office/drawing/2014/main" id="{9FF43EFA-F397-0E49-A87E-2B2A5835B557}"/>
+              </a:ext>
+            </a:extLst>
+          </p:cNvPr>
+          <p:cNvPicPr>
+            <a:picLocks noChangeAspect="1" noChangeArrowheads="1"/>
+          </p:cNvPicPr>
+          <p:nvPr/>
+        </p:nvPicPr>
+        <p:blipFill rotWithShape="1">
+          <a:blip r:embed="rId5">
+            <a:extLst>
+              <a:ext uri="{28A0092B-C50C-407E-A947-70E740481C1C}">
+                <a14:useLocalDpi xmlns:a14="http://schemas.microsoft.com/office/drawing/2010/main" val="0"/>
+              </a:ext>
+            </a:extLst>
+          </a:blip>
+          <a:srcRect l="11287"/>
+          <a:stretch/>
+        </p:blipFill>
+        <p:spPr bwMode="auto">
+          <a:xfrm>
+            <a:off x="6564910" y="5204887"/>
+            <a:ext cx="3091921" cy="920853"/>
+          </a:xfrm>
+          <a:prstGeom prst="rect">
+            <a:avLst/>
+          </a:prstGeom>
+          <a:noFill/>
+          <a:extLst>
+            <a:ext uri="{909E8E84-426E-40DD-AFC4-6F175D3DCCD1}">
+              <a14:hiddenFill xmlns:a14="http://schemas.microsoft.com/office/drawing/2010/main">
+                <a:solidFill>
+                  <a:srgbClr val="FFFFFF"/>
+                </a:solidFill>
+              </a14:hiddenFill>
+            </a:ext>
+          </a:extLst>
+        </p:spPr>
+      </p:pic>
+      <p:pic>
+        <p:nvPicPr>
+          <p:cNvPr id="1040" name="Picture 16" descr="Output image">
+            <a:extLst>
+              <a:ext uri="{FF2B5EF4-FFF2-40B4-BE49-F238E27FC236}">
+                <a16:creationId xmlns:a16="http://schemas.microsoft.com/office/drawing/2014/main" id="{2D406756-6DF2-D923-DBC0-38D4AE50250B}"/>
+              </a:ext>
+            </a:extLst>
+          </p:cNvPr>
+          <p:cNvPicPr>
+            <a:picLocks noChangeAspect="1" noChangeArrowheads="1"/>
+          </p:cNvPicPr>
+          <p:nvPr/>
+        </p:nvPicPr>
+        <p:blipFill rotWithShape="1">
+          <a:blip r:embed="rId6">
+            <a:extLst>
+              <a:ext uri="{28A0092B-C50C-407E-A947-70E740481C1C}">
+                <a14:useLocalDpi xmlns:a14="http://schemas.microsoft.com/office/drawing/2010/main" val="0"/>
+              </a:ext>
+            </a:extLst>
+          </a:blip>
+          <a:srcRect b="9172"/>
+          <a:stretch/>
+        </p:blipFill>
+        <p:spPr bwMode="auto">
+          <a:xfrm>
+            <a:off x="9193820" y="4712742"/>
+            <a:ext cx="2721278" cy="1861480"/>
+          </a:xfrm>
+          <a:prstGeom prst="rect">
+            <a:avLst/>
+          </a:prstGeom>
+          <a:noFill/>
+          <a:extLst>
+            <a:ext uri="{909E8E84-426E-40DD-AFC4-6F175D3DCCD1}">
+              <a14:hiddenFill xmlns:a14="http://schemas.microsoft.com/office/drawing/2010/main">
+                <a:solidFill>
+                  <a:srgbClr val="FFFFFF"/>
+                </a:solidFill>
+              </a14:hiddenFill>
+            </a:ext>
+          </a:extLst>
+        </p:spPr>
+      </p:pic>
+      <p:cxnSp>
+        <p:nvCxnSpPr>
+          <p:cNvPr id="38" name="Straight Connector 37">
+            <a:extLst>
+              <a:ext uri="{FF2B5EF4-FFF2-40B4-BE49-F238E27FC236}">
+                <a16:creationId xmlns:a16="http://schemas.microsoft.com/office/drawing/2014/main" id="{687BDA3F-E39D-E879-8DD1-1CD78366B88C}"/>
+              </a:ext>
+            </a:extLst>
+          </p:cNvPr>
+          <p:cNvCxnSpPr>
+            <a:cxnSpLocks/>
+          </p:cNvCxnSpPr>
+          <p:nvPr/>
+        </p:nvCxnSpPr>
+        <p:spPr>
+          <a:xfrm flipV="1">
+            <a:off x="5545230" y="3088433"/>
+            <a:ext cx="646870" cy="218058"/>
+          </a:xfrm>
+          <a:prstGeom prst="line">
+            <a:avLst/>
+          </a:prstGeom>
+          <a:ln w="12700">
+            <a:solidFill>
+              <a:schemeClr val="tx2"/>
+            </a:solidFill>
+          </a:ln>
+        </p:spPr>
+        <p:style>
+          <a:lnRef idx="2">
+            <a:schemeClr val="dk1"/>
+          </a:lnRef>
+          <a:fillRef idx="0">
+            <a:schemeClr val="dk1"/>
+          </a:fillRef>
+          <a:effectRef idx="1">
+            <a:schemeClr val="dk1"/>
+          </a:effectRef>
+          <a:fontRef idx="minor">
+            <a:schemeClr val="tx1"/>
+          </a:fontRef>
+        </p:style>
+      </p:cxnSp>
+      <p:sp>
+        <p:nvSpPr>
+          <p:cNvPr id="3" name="TextBox 2">
+            <a:extLst>
+              <a:ext uri="{FF2B5EF4-FFF2-40B4-BE49-F238E27FC236}">
+                <a16:creationId xmlns:a16="http://schemas.microsoft.com/office/drawing/2014/main" id="{72AA6F1D-371F-5290-6F15-C1DF6881DEE1}"/>
+              </a:ext>
+            </a:extLst>
+          </p:cNvPr>
+          <p:cNvSpPr txBox="1"/>
+          <p:nvPr/>
+        </p:nvSpPr>
+        <p:spPr>
+          <a:xfrm>
+            <a:off x="403690" y="5483050"/>
+            <a:ext cx="5290339" cy="1384995"/>
+          </a:xfrm>
+          <a:prstGeom prst="rect">
+            <a:avLst/>
+          </a:prstGeom>
+          <a:noFill/>
+        </p:spPr>
+        <p:txBody>
+          <a:bodyPr wrap="square" rtlCol="0">
+            <a:spAutoFit/>
+          </a:bodyPr>
+          <a:lstStyle/>
+          <a:p>
+            <a:pPr algn="ctr"/>
+            <a:endParaRPr lang="en-PL" sz="1050" dirty="0"/>
+          </a:p>
+          <a:p>
+            <a:pPr algn="ctr"/>
+            <a:r>
+              <a:rPr lang="en-PL" sz="1050" dirty="0"/>
+              <a:t>We assume that the choices people make are not linear and straight forward. We assume that there is some uncertainty in their process to making their decision. </a:t>
+            </a:r>
+          </a:p>
+          <a:p>
+            <a:pPr algn="ctr"/>
+            <a:endParaRPr lang="en-PL" sz="1050" dirty="0"/>
+          </a:p>
+          <a:p>
+            <a:pPr algn="ctr"/>
+            <a:r>
+              <a:rPr lang="en-PL" sz="1050" dirty="0"/>
+              <a:t>This uncertainty is assumed to follow a normal random distribution (Brownian motion), with the amplitude of that distribution dependent on the noise variable we set. </a:t>
+            </a:r>
+          </a:p>
+          <a:p>
+            <a:br>
+              <a:rPr lang="en-GB" sz="1050" dirty="0"/>
+            </a:br>
+            <a:endParaRPr lang="en-PL" sz="1050" dirty="0"/>
+          </a:p>
+        </p:txBody>
+      </p:sp>
+      <p:cxnSp>
+        <p:nvCxnSpPr>
+          <p:cNvPr id="5" name="Straight Arrow Connector 4">
+            <a:extLst>
+              <a:ext uri="{FF2B5EF4-FFF2-40B4-BE49-F238E27FC236}">
+                <a16:creationId xmlns:a16="http://schemas.microsoft.com/office/drawing/2014/main" id="{0377875E-7D01-A710-2A79-A94303D314CE}"/>
+              </a:ext>
+            </a:extLst>
+          </p:cNvPr>
+          <p:cNvCxnSpPr>
+            <a:cxnSpLocks/>
+          </p:cNvCxnSpPr>
+          <p:nvPr/>
+        </p:nvCxnSpPr>
+        <p:spPr>
+          <a:xfrm flipH="1">
+            <a:off x="5774267" y="6125740"/>
+            <a:ext cx="3344333" cy="0"/>
+          </a:xfrm>
+          <a:prstGeom prst="straightConnector1">
+            <a:avLst/>
+          </a:prstGeom>
+          <a:ln w="38100">
+            <a:solidFill>
+              <a:schemeClr val="bg1">
+                <a:lumMod val="50000"/>
+              </a:schemeClr>
+            </a:solidFill>
+            <a:tailEnd type="triangle"/>
+          </a:ln>
+        </p:spPr>
+        <p:style>
+          <a:lnRef idx="2">
+            <a:schemeClr val="accent1"/>
+          </a:lnRef>
+          <a:fillRef idx="0">
+            <a:schemeClr val="accent1"/>
+          </a:fillRef>
+          <a:effectRef idx="1">
+            <a:schemeClr val="accent1"/>
+          </a:effectRef>
+          <a:fontRef idx="minor">
+            <a:schemeClr val="tx1"/>
+          </a:fontRef>
+        </p:style>
+      </p:cxnSp>
     </p:spTree>
     <p:extLst>
       <p:ext uri="{BB962C8B-B14F-4D97-AF65-F5344CB8AC3E}">
@@ -8733,6 +8951,55 @@
       </p:grpSpPr>
       <p:sp>
         <p:nvSpPr>
+          <p:cNvPr id="15" name="Rectangle 14">
+            <a:extLst>
+              <a:ext uri="{FF2B5EF4-FFF2-40B4-BE49-F238E27FC236}">
+                <a16:creationId xmlns:a16="http://schemas.microsoft.com/office/drawing/2014/main" id="{69BF00AD-C3DA-227B-5FCC-7CAC93221142}"/>
+              </a:ext>
+            </a:extLst>
+          </p:cNvPr>
+          <p:cNvSpPr/>
+          <p:nvPr/>
+        </p:nvSpPr>
+        <p:spPr>
+          <a:xfrm>
+            <a:off x="1" y="-1"/>
+            <a:ext cx="12192000" cy="2345461"/>
+          </a:xfrm>
+          <a:prstGeom prst="rect">
+            <a:avLst/>
+          </a:prstGeom>
+          <a:solidFill>
+            <a:srgbClr val="1F1F1F"/>
+          </a:solidFill>
+        </p:spPr>
+        <p:style>
+          <a:lnRef idx="2">
+            <a:schemeClr val="accent1">
+              <a:shade val="15000"/>
+            </a:schemeClr>
+          </a:lnRef>
+          <a:fillRef idx="1">
+            <a:schemeClr val="accent1"/>
+          </a:fillRef>
+          <a:effectRef idx="0">
+            <a:schemeClr val="accent1"/>
+          </a:effectRef>
+          <a:fontRef idx="minor">
+            <a:schemeClr val="lt1"/>
+          </a:fontRef>
+        </p:style>
+        <p:txBody>
+          <a:bodyPr rtlCol="0" anchor="ctr"/>
+          <a:lstStyle/>
+          <a:p>
+            <a:pPr algn="ctr"/>
+            <a:endParaRPr lang="en-PL"/>
+          </a:p>
+        </p:txBody>
+      </p:sp>
+      <p:sp>
+        <p:nvSpPr>
           <p:cNvPr id="2" name="Title 1">
             <a:extLst>
               <a:ext uri="{FF2B5EF4-FFF2-40B4-BE49-F238E27FC236}">
@@ -8758,16 +9025,892 @@
           <a:lstStyle/>
           <a:p>
             <a:r>
-              <a:rPr lang="en-PL" dirty="0"/>
+              <a:rPr lang="en-PL" dirty="0">
+                <a:solidFill>
+                  <a:schemeClr val="bg1"/>
+                </a:solidFill>
+              </a:rPr>
               <a:t>The Model </a:t>
             </a:r>
             <a:br>
-              <a:rPr lang="en-PL" dirty="0"/>
+              <a:rPr lang="en-PL" dirty="0">
+                <a:solidFill>
+                  <a:schemeClr val="bg1"/>
+                </a:solidFill>
+              </a:rPr>
             </a:br>
             <a:r>
-              <a:rPr lang="en-PL" dirty="0"/>
+              <a:rPr lang="en-PL" dirty="0">
+                <a:solidFill>
+                  <a:schemeClr val="bg1"/>
+                </a:solidFill>
+              </a:rPr>
               <a:t>(Applied and Assumptions)</a:t>
             </a:r>
+          </a:p>
+        </p:txBody>
+      </p:sp>
+      <p:pic>
+        <p:nvPicPr>
+          <p:cNvPr id="11" name="Picture 10" descr="A screen shot of a computer code&#10;&#10;AI-generated content may be incorrect.">
+            <a:extLst>
+              <a:ext uri="{FF2B5EF4-FFF2-40B4-BE49-F238E27FC236}">
+                <a16:creationId xmlns:a16="http://schemas.microsoft.com/office/drawing/2014/main" id="{09A6E614-994B-912E-8497-EF291D58C533}"/>
+              </a:ext>
+            </a:extLst>
+          </p:cNvPr>
+          <p:cNvPicPr>
+            <a:picLocks noChangeAspect="1"/>
+          </p:cNvPicPr>
+          <p:nvPr/>
+        </p:nvPicPr>
+        <p:blipFill>
+          <a:blip r:embed="rId2"/>
+          <a:stretch>
+            <a:fillRect/>
+          </a:stretch>
+        </p:blipFill>
+        <p:spPr>
+          <a:xfrm>
+            <a:off x="6722481" y="18833"/>
+            <a:ext cx="2509372" cy="1171503"/>
+          </a:xfrm>
+          <a:prstGeom prst="rect">
+            <a:avLst/>
+          </a:prstGeom>
+        </p:spPr>
+      </p:pic>
+      <p:pic>
+        <p:nvPicPr>
+          <p:cNvPr id="13" name="Picture 12" descr="A computer code with text on it&#10;&#10;AI-generated content may be incorrect.">
+            <a:extLst>
+              <a:ext uri="{FF2B5EF4-FFF2-40B4-BE49-F238E27FC236}">
+                <a16:creationId xmlns:a16="http://schemas.microsoft.com/office/drawing/2014/main" id="{15D78B25-0C80-2B2A-1DF3-A75CAF0A1111}"/>
+              </a:ext>
+            </a:extLst>
+          </p:cNvPr>
+          <p:cNvPicPr>
+            <a:picLocks noChangeAspect="1"/>
+          </p:cNvPicPr>
+          <p:nvPr/>
+        </p:nvPicPr>
+        <p:blipFill>
+          <a:blip r:embed="rId3"/>
+          <a:stretch>
+            <a:fillRect/>
+          </a:stretch>
+        </p:blipFill>
+        <p:spPr>
+          <a:xfrm>
+            <a:off x="6722480" y="1158000"/>
+            <a:ext cx="5469519" cy="1187461"/>
+          </a:xfrm>
+          <a:prstGeom prst="rect">
+            <a:avLst/>
+          </a:prstGeom>
+        </p:spPr>
+      </p:pic>
+      <p:pic>
+        <p:nvPicPr>
+          <p:cNvPr id="14" name="Picture 4" descr="Babies Learning Language: Explorations in hierarchical drift diffusion  modeling">
+            <a:extLst>
+              <a:ext uri="{FF2B5EF4-FFF2-40B4-BE49-F238E27FC236}">
+                <a16:creationId xmlns:a16="http://schemas.microsoft.com/office/drawing/2014/main" id="{A2D3AE64-5E41-D6DF-9D4B-3C778BD42BF9}"/>
+              </a:ext>
+            </a:extLst>
+          </p:cNvPr>
+          <p:cNvPicPr>
+            <a:picLocks noChangeAspect="1" noChangeArrowheads="1"/>
+          </p:cNvPicPr>
+          <p:nvPr/>
+        </p:nvPicPr>
+        <p:blipFill rotWithShape="1">
+          <a:blip r:embed="rId4">
+            <a:extLst>
+              <a:ext uri="{28A0092B-C50C-407E-A947-70E740481C1C}">
+                <a14:useLocalDpi xmlns:a14="http://schemas.microsoft.com/office/drawing/2010/main" val="0"/>
+              </a:ext>
+            </a:extLst>
+          </a:blip>
+          <a:srcRect l="6537" t="-338" r="5913" b="32578"/>
+          <a:stretch/>
+        </p:blipFill>
+        <p:spPr bwMode="auto">
+          <a:xfrm>
+            <a:off x="7057719" y="3775425"/>
+            <a:ext cx="5134281" cy="1831120"/>
+          </a:xfrm>
+          <a:prstGeom prst="rect">
+            <a:avLst/>
+          </a:prstGeom>
+          <a:noFill/>
+          <a:extLst>
+            <a:ext uri="{909E8E84-426E-40DD-AFC4-6F175D3DCCD1}">
+              <a14:hiddenFill xmlns:a14="http://schemas.microsoft.com/office/drawing/2010/main">
+                <a:solidFill>
+                  <a:srgbClr val="FFFFFF"/>
+                </a:solidFill>
+              </a14:hiddenFill>
+            </a:ext>
+          </a:extLst>
+        </p:spPr>
+      </p:pic>
+      <p:sp>
+        <p:nvSpPr>
+          <p:cNvPr id="16" name="TextBox 15">
+            <a:extLst>
+              <a:ext uri="{FF2B5EF4-FFF2-40B4-BE49-F238E27FC236}">
+                <a16:creationId xmlns:a16="http://schemas.microsoft.com/office/drawing/2014/main" id="{1B081EA8-53C3-654D-B04F-C1281E4DF642}"/>
+              </a:ext>
+            </a:extLst>
+          </p:cNvPr>
+          <p:cNvSpPr txBox="1"/>
+          <p:nvPr/>
+        </p:nvSpPr>
+        <p:spPr>
+          <a:xfrm>
+            <a:off x="0" y="2421769"/>
+            <a:ext cx="6867144" cy="2192908"/>
+          </a:xfrm>
+          <a:prstGeom prst="rect">
+            <a:avLst/>
+          </a:prstGeom>
+          <a:noFill/>
+        </p:spPr>
+        <p:txBody>
+          <a:bodyPr wrap="square" rtlCol="0">
+            <a:spAutoFit/>
+          </a:bodyPr>
+          <a:lstStyle/>
+          <a:p>
+            <a:r>
+              <a:rPr lang="en-GB" sz="1100" b="1" u="sng" dirty="0"/>
+              <a:t>Assumptions and Rationale</a:t>
+            </a:r>
+          </a:p>
+          <a:p>
+            <a:endParaRPr lang="en-GB" sz="1050" dirty="0"/>
+          </a:p>
+          <a:p>
+            <a:pPr marL="171450" indent="-171450">
+              <a:buFont typeface="Wingdings" pitchFamily="2" charset="2"/>
+              <a:buChar char="v"/>
+            </a:pPr>
+            <a:r>
+              <a:rPr lang="en-GB" sz="1100" b="1" dirty="0"/>
+              <a:t>Assumption</a:t>
+            </a:r>
+            <a:r>
+              <a:rPr lang="en-GB" sz="1050" dirty="0"/>
+              <a:t>: Each person has different decision boundaries and drift rates for different types of words when it comes to whether or not they think these words refer to them or not. </a:t>
+            </a:r>
+          </a:p>
+          <a:p>
+            <a:endParaRPr lang="en-GB" sz="1050" dirty="0"/>
+          </a:p>
+          <a:p>
+            <a:r>
+              <a:rPr lang="en-GB" sz="1050" dirty="0"/>
+              <a:t>	Application of Assumption:  Each participant has a separate model fitted for the 6 word groupings:</a:t>
+            </a:r>
+          </a:p>
+          <a:p>
+            <a:pPr marL="1085850" lvl="2" indent="-171450">
+              <a:buFontTx/>
+              <a:buChar char="-"/>
+            </a:pPr>
+            <a:r>
+              <a:rPr lang="en-GB" sz="1050" dirty="0"/>
+              <a:t>Positive</a:t>
+            </a:r>
+          </a:p>
+          <a:p>
+            <a:pPr marL="1085850" lvl="2" indent="-171450">
+              <a:buFontTx/>
+              <a:buChar char="-"/>
+            </a:pPr>
+            <a:r>
+              <a:rPr lang="en-GB" sz="1050" dirty="0"/>
+              <a:t>Negative</a:t>
+            </a:r>
+          </a:p>
+          <a:p>
+            <a:pPr marL="1085850" lvl="2" indent="-171450">
+              <a:buFontTx/>
+              <a:buChar char="-"/>
+            </a:pPr>
+            <a:r>
+              <a:rPr lang="en-GB" sz="1050" dirty="0"/>
+              <a:t>Positive + High affiliation</a:t>
+            </a:r>
+          </a:p>
+          <a:p>
+            <a:pPr marL="1085850" lvl="2" indent="-171450">
+              <a:buFontTx/>
+              <a:buChar char="-"/>
+            </a:pPr>
+            <a:r>
+              <a:rPr lang="en-GB" sz="1050" dirty="0"/>
+              <a:t>Positive + High dominance</a:t>
+            </a:r>
+          </a:p>
+          <a:p>
+            <a:pPr marL="1085850" lvl="2" indent="-171450">
+              <a:buFontTx/>
+              <a:buChar char="-"/>
+            </a:pPr>
+            <a:r>
+              <a:rPr lang="en-GB" sz="1050" dirty="0"/>
+              <a:t>Negative + Low affiliation</a:t>
+            </a:r>
+          </a:p>
+          <a:p>
+            <a:pPr marL="1085850" lvl="2" indent="-171450">
+              <a:buFontTx/>
+              <a:buChar char="-"/>
+            </a:pPr>
+            <a:r>
+              <a:rPr lang="en-GB" sz="1050" dirty="0"/>
+              <a:t>Negative + Low dominance</a:t>
+            </a:r>
+            <a:endParaRPr lang="en-PL" sz="1050" dirty="0"/>
+          </a:p>
+          <a:p>
+            <a:pPr marL="1085850" lvl="2" indent="-171450">
+              <a:buFontTx/>
+              <a:buChar char="-"/>
+            </a:pPr>
+            <a:endParaRPr lang="en-PL" sz="1050" dirty="0"/>
+          </a:p>
+        </p:txBody>
+      </p:sp>
+      <p:cxnSp>
+        <p:nvCxnSpPr>
+          <p:cNvPr id="19" name="Straight Arrow Connector 18">
+            <a:extLst>
+              <a:ext uri="{FF2B5EF4-FFF2-40B4-BE49-F238E27FC236}">
+                <a16:creationId xmlns:a16="http://schemas.microsoft.com/office/drawing/2014/main" id="{E9D20127-6AD0-A0FB-95C7-991FC0F1C017}"/>
+              </a:ext>
+            </a:extLst>
+          </p:cNvPr>
+          <p:cNvCxnSpPr>
+            <a:cxnSpLocks/>
+          </p:cNvCxnSpPr>
+          <p:nvPr/>
+        </p:nvCxnSpPr>
+        <p:spPr>
+          <a:xfrm flipH="1">
+            <a:off x="7452897" y="3578730"/>
+            <a:ext cx="649224" cy="919071"/>
+          </a:xfrm>
+          <a:prstGeom prst="straightConnector1">
+            <a:avLst/>
+          </a:prstGeom>
+          <a:ln>
+            <a:solidFill>
+              <a:schemeClr val="accent2"/>
+            </a:solidFill>
+            <a:tailEnd type="triangle"/>
+          </a:ln>
+        </p:spPr>
+        <p:style>
+          <a:lnRef idx="2">
+            <a:schemeClr val="accent1"/>
+          </a:lnRef>
+          <a:fillRef idx="0">
+            <a:schemeClr val="accent1"/>
+          </a:fillRef>
+          <a:effectRef idx="1">
+            <a:schemeClr val="accent1"/>
+          </a:effectRef>
+          <a:fontRef idx="minor">
+            <a:schemeClr val="tx1"/>
+          </a:fontRef>
+        </p:style>
+      </p:cxnSp>
+      <p:sp>
+        <p:nvSpPr>
+          <p:cNvPr id="23" name="TextBox 22">
+            <a:extLst>
+              <a:ext uri="{FF2B5EF4-FFF2-40B4-BE49-F238E27FC236}">
+                <a16:creationId xmlns:a16="http://schemas.microsoft.com/office/drawing/2014/main" id="{E875C47E-FC1D-7B46-9D91-6138AB869AF8}"/>
+              </a:ext>
+            </a:extLst>
+          </p:cNvPr>
+          <p:cNvSpPr txBox="1"/>
+          <p:nvPr/>
+        </p:nvSpPr>
+        <p:spPr>
+          <a:xfrm>
+            <a:off x="8102121" y="3163232"/>
+            <a:ext cx="2976834" cy="415498"/>
+          </a:xfrm>
+          <a:prstGeom prst="rect">
+            <a:avLst/>
+          </a:prstGeom>
+          <a:noFill/>
+          <a:ln>
+            <a:solidFill>
+              <a:schemeClr val="accent2"/>
+            </a:solidFill>
+          </a:ln>
+        </p:spPr>
+        <p:txBody>
+          <a:bodyPr wrap="square" rtlCol="0">
+            <a:spAutoFit/>
+          </a:bodyPr>
+          <a:lstStyle/>
+          <a:p>
+            <a:pPr algn="ctr"/>
+            <a:r>
+              <a:rPr lang="en-GB" sz="1050" dirty="0">
+                <a:solidFill>
+                  <a:schemeClr val="accent2"/>
+                </a:solidFill>
+              </a:rPr>
+              <a:t>DECISION BOUNDARIES</a:t>
+            </a:r>
+          </a:p>
+          <a:p>
+            <a:r>
+              <a:rPr lang="en-GB" sz="1050" dirty="0">
+                <a:solidFill>
+                  <a:schemeClr val="accent2"/>
+                </a:solidFill>
+              </a:rPr>
+              <a:t>Fitted, set arbitrary to minimum 0.5, maximum 2</a:t>
+            </a:r>
+          </a:p>
+        </p:txBody>
+      </p:sp>
+      <p:cxnSp>
+        <p:nvCxnSpPr>
+          <p:cNvPr id="24" name="Straight Arrow Connector 23">
+            <a:extLst>
+              <a:ext uri="{FF2B5EF4-FFF2-40B4-BE49-F238E27FC236}">
+                <a16:creationId xmlns:a16="http://schemas.microsoft.com/office/drawing/2014/main" id="{3E0F3204-E686-60EC-D23F-2B8ED8D35103}"/>
+              </a:ext>
+            </a:extLst>
+          </p:cNvPr>
+          <p:cNvCxnSpPr>
+            <a:cxnSpLocks/>
+          </p:cNvCxnSpPr>
+          <p:nvPr/>
+        </p:nvCxnSpPr>
+        <p:spPr>
+          <a:xfrm flipH="1">
+            <a:off x="8202705" y="4098458"/>
+            <a:ext cx="960120" cy="577491"/>
+          </a:xfrm>
+          <a:prstGeom prst="straightConnector1">
+            <a:avLst/>
+          </a:prstGeom>
+          <a:ln>
+            <a:solidFill>
+              <a:schemeClr val="accent2"/>
+            </a:solidFill>
+            <a:tailEnd type="triangle"/>
+          </a:ln>
+        </p:spPr>
+        <p:style>
+          <a:lnRef idx="2">
+            <a:schemeClr val="accent1"/>
+          </a:lnRef>
+          <a:fillRef idx="0">
+            <a:schemeClr val="accent1"/>
+          </a:fillRef>
+          <a:effectRef idx="1">
+            <a:schemeClr val="accent1"/>
+          </a:effectRef>
+          <a:fontRef idx="minor">
+            <a:schemeClr val="tx1"/>
+          </a:fontRef>
+        </p:style>
+      </p:cxnSp>
+      <p:sp>
+        <p:nvSpPr>
+          <p:cNvPr id="28" name="TextBox 27">
+            <a:extLst>
+              <a:ext uri="{FF2B5EF4-FFF2-40B4-BE49-F238E27FC236}">
+                <a16:creationId xmlns:a16="http://schemas.microsoft.com/office/drawing/2014/main" id="{FACC4A46-3BD3-1208-C6A6-84450D7A2031}"/>
+              </a:ext>
+            </a:extLst>
+          </p:cNvPr>
+          <p:cNvSpPr txBox="1"/>
+          <p:nvPr/>
+        </p:nvSpPr>
+        <p:spPr>
+          <a:xfrm>
+            <a:off x="9162825" y="3679479"/>
+            <a:ext cx="2976834" cy="415498"/>
+          </a:xfrm>
+          <a:prstGeom prst="rect">
+            <a:avLst/>
+          </a:prstGeom>
+          <a:noFill/>
+          <a:ln>
+            <a:solidFill>
+              <a:schemeClr val="accent2"/>
+            </a:solidFill>
+          </a:ln>
+        </p:spPr>
+        <p:txBody>
+          <a:bodyPr wrap="square" rtlCol="0">
+            <a:spAutoFit/>
+          </a:bodyPr>
+          <a:lstStyle/>
+          <a:p>
+            <a:pPr algn="ctr"/>
+            <a:r>
+              <a:rPr lang="en-GB" sz="1050" dirty="0">
+                <a:solidFill>
+                  <a:schemeClr val="accent2"/>
+                </a:solidFill>
+              </a:rPr>
+              <a:t>DRIFT RATES</a:t>
+            </a:r>
+          </a:p>
+          <a:p>
+            <a:r>
+              <a:rPr lang="en-GB" sz="1050" dirty="0">
+                <a:solidFill>
+                  <a:schemeClr val="accent2"/>
+                </a:solidFill>
+              </a:rPr>
+              <a:t>Fitted, set arbitrary to minimum -1, maximum 1</a:t>
+            </a:r>
+            <a:endParaRPr lang="en-PL" sz="1050" dirty="0">
+              <a:solidFill>
+                <a:schemeClr val="accent2"/>
+              </a:solidFill>
+            </a:endParaRPr>
+          </a:p>
+        </p:txBody>
+      </p:sp>
+      <p:sp>
+        <p:nvSpPr>
+          <p:cNvPr id="30" name="TextBox 29">
+            <a:extLst>
+              <a:ext uri="{FF2B5EF4-FFF2-40B4-BE49-F238E27FC236}">
+                <a16:creationId xmlns:a16="http://schemas.microsoft.com/office/drawing/2014/main" id="{90F32258-8367-3F6C-F39D-0D5F8794C541}"/>
+              </a:ext>
+            </a:extLst>
+          </p:cNvPr>
+          <p:cNvSpPr txBox="1"/>
+          <p:nvPr/>
+        </p:nvSpPr>
+        <p:spPr>
+          <a:xfrm>
+            <a:off x="8682765" y="5694780"/>
+            <a:ext cx="1005840" cy="415498"/>
+          </a:xfrm>
+          <a:prstGeom prst="rect">
+            <a:avLst/>
+          </a:prstGeom>
+          <a:noFill/>
+          <a:ln>
+            <a:solidFill>
+              <a:schemeClr val="accent6"/>
+            </a:solidFill>
+          </a:ln>
+        </p:spPr>
+        <p:txBody>
+          <a:bodyPr wrap="square" rtlCol="0">
+            <a:spAutoFit/>
+          </a:bodyPr>
+          <a:lstStyle/>
+          <a:p>
+            <a:pPr algn="ctr"/>
+            <a:r>
+              <a:rPr lang="en-GB" sz="1050" dirty="0">
+                <a:solidFill>
+                  <a:schemeClr val="accent6"/>
+                </a:solidFill>
+              </a:rPr>
+              <a:t>NOISE</a:t>
+            </a:r>
+          </a:p>
+          <a:p>
+            <a:r>
+              <a:rPr lang="en-GB" sz="1050" dirty="0">
+                <a:solidFill>
+                  <a:schemeClr val="accent6"/>
+                </a:solidFill>
+              </a:rPr>
+              <a:t>Fixed, set to 1</a:t>
+            </a:r>
+            <a:endParaRPr lang="en-PL" sz="1050" dirty="0">
+              <a:solidFill>
+                <a:schemeClr val="accent6"/>
+              </a:solidFill>
+            </a:endParaRPr>
+          </a:p>
+        </p:txBody>
+      </p:sp>
+      <p:cxnSp>
+        <p:nvCxnSpPr>
+          <p:cNvPr id="31" name="Straight Arrow Connector 30">
+            <a:extLst>
+              <a:ext uri="{FF2B5EF4-FFF2-40B4-BE49-F238E27FC236}">
+                <a16:creationId xmlns:a16="http://schemas.microsoft.com/office/drawing/2014/main" id="{D073C687-8A9B-9CF5-3199-BADEC5383005}"/>
+              </a:ext>
+            </a:extLst>
+          </p:cNvPr>
+          <p:cNvCxnSpPr>
+            <a:cxnSpLocks/>
+            <a:stCxn id="30" idx="0"/>
+          </p:cNvCxnSpPr>
+          <p:nvPr/>
+        </p:nvCxnSpPr>
+        <p:spPr>
+          <a:xfrm flipH="1" flipV="1">
+            <a:off x="8605041" y="4998982"/>
+            <a:ext cx="580644" cy="695798"/>
+          </a:xfrm>
+          <a:prstGeom prst="straightConnector1">
+            <a:avLst/>
+          </a:prstGeom>
+          <a:ln>
+            <a:solidFill>
+              <a:schemeClr val="accent6"/>
+            </a:solidFill>
+            <a:tailEnd type="triangle"/>
+          </a:ln>
+        </p:spPr>
+        <p:style>
+          <a:lnRef idx="2">
+            <a:schemeClr val="accent1"/>
+          </a:lnRef>
+          <a:fillRef idx="0">
+            <a:schemeClr val="accent1"/>
+          </a:fillRef>
+          <a:effectRef idx="1">
+            <a:schemeClr val="accent1"/>
+          </a:effectRef>
+          <a:fontRef idx="minor">
+            <a:schemeClr val="tx1"/>
+          </a:fontRef>
+        </p:style>
+      </p:cxnSp>
+      <p:sp>
+        <p:nvSpPr>
+          <p:cNvPr id="34" name="TextBox 33">
+            <a:extLst>
+              <a:ext uri="{FF2B5EF4-FFF2-40B4-BE49-F238E27FC236}">
+                <a16:creationId xmlns:a16="http://schemas.microsoft.com/office/drawing/2014/main" id="{062DFE66-C205-874B-035A-9B332B7CC5CF}"/>
+              </a:ext>
+            </a:extLst>
+          </p:cNvPr>
+          <p:cNvSpPr txBox="1"/>
+          <p:nvPr/>
+        </p:nvSpPr>
+        <p:spPr>
+          <a:xfrm>
+            <a:off x="6658894" y="5678812"/>
+            <a:ext cx="1441704" cy="415498"/>
+          </a:xfrm>
+          <a:prstGeom prst="rect">
+            <a:avLst/>
+          </a:prstGeom>
+          <a:noFill/>
+          <a:ln>
+            <a:solidFill>
+              <a:schemeClr val="accent6"/>
+            </a:solidFill>
+          </a:ln>
+        </p:spPr>
+        <p:txBody>
+          <a:bodyPr wrap="square" rtlCol="0">
+            <a:spAutoFit/>
+          </a:bodyPr>
+          <a:lstStyle/>
+          <a:p>
+            <a:pPr algn="ctr"/>
+            <a:r>
+              <a:rPr lang="en-GB" sz="1050" dirty="0">
+                <a:solidFill>
+                  <a:schemeClr val="accent6"/>
+                </a:solidFill>
+              </a:rPr>
+              <a:t>NON-DECISION TIME</a:t>
+            </a:r>
+          </a:p>
+          <a:p>
+            <a:pPr algn="ctr"/>
+            <a:r>
+              <a:rPr lang="en-GB" sz="1050" dirty="0">
+                <a:solidFill>
+                  <a:schemeClr val="accent6"/>
+                </a:solidFill>
+              </a:rPr>
+              <a:t>Fixed, set to 0.2 </a:t>
+            </a:r>
+            <a:endParaRPr lang="en-PL" sz="1050" dirty="0">
+              <a:solidFill>
+                <a:schemeClr val="accent6"/>
+              </a:solidFill>
+            </a:endParaRPr>
+          </a:p>
+        </p:txBody>
+      </p:sp>
+      <p:cxnSp>
+        <p:nvCxnSpPr>
+          <p:cNvPr id="35" name="Straight Arrow Connector 34">
+            <a:extLst>
+              <a:ext uri="{FF2B5EF4-FFF2-40B4-BE49-F238E27FC236}">
+                <a16:creationId xmlns:a16="http://schemas.microsoft.com/office/drawing/2014/main" id="{0E290294-3A8D-C6B8-2178-332418C0FB4C}"/>
+              </a:ext>
+            </a:extLst>
+          </p:cNvPr>
+          <p:cNvCxnSpPr>
+            <a:cxnSpLocks/>
+            <a:stCxn id="34" idx="0"/>
+          </p:cNvCxnSpPr>
+          <p:nvPr/>
+        </p:nvCxnSpPr>
+        <p:spPr>
+          <a:xfrm flipV="1">
+            <a:off x="7379746" y="4873036"/>
+            <a:ext cx="265175" cy="805776"/>
+          </a:xfrm>
+          <a:prstGeom prst="straightConnector1">
+            <a:avLst/>
+          </a:prstGeom>
+          <a:ln>
+            <a:solidFill>
+              <a:schemeClr val="accent6"/>
+            </a:solidFill>
+            <a:tailEnd type="triangle"/>
+          </a:ln>
+        </p:spPr>
+        <p:style>
+          <a:lnRef idx="2">
+            <a:schemeClr val="accent1"/>
+          </a:lnRef>
+          <a:fillRef idx="0">
+            <a:schemeClr val="accent1"/>
+          </a:fillRef>
+          <a:effectRef idx="1">
+            <a:schemeClr val="accent1"/>
+          </a:effectRef>
+          <a:fontRef idx="minor">
+            <a:schemeClr val="tx1"/>
+          </a:fontRef>
+        </p:style>
+      </p:cxnSp>
+      <p:sp>
+        <p:nvSpPr>
+          <p:cNvPr id="38" name="TextBox 37">
+            <a:extLst>
+              <a:ext uri="{FF2B5EF4-FFF2-40B4-BE49-F238E27FC236}">
+                <a16:creationId xmlns:a16="http://schemas.microsoft.com/office/drawing/2014/main" id="{9D0DCB9B-27F9-D54E-1CAE-EDD798947DB6}"/>
+              </a:ext>
+            </a:extLst>
+          </p:cNvPr>
+          <p:cNvSpPr txBox="1"/>
+          <p:nvPr/>
+        </p:nvSpPr>
+        <p:spPr>
+          <a:xfrm>
+            <a:off x="5671341" y="3941697"/>
+            <a:ext cx="1441704" cy="415498"/>
+          </a:xfrm>
+          <a:prstGeom prst="rect">
+            <a:avLst/>
+          </a:prstGeom>
+          <a:noFill/>
+          <a:ln>
+            <a:solidFill>
+              <a:schemeClr val="accent6"/>
+            </a:solidFill>
+          </a:ln>
+        </p:spPr>
+        <p:txBody>
+          <a:bodyPr wrap="square" rtlCol="0">
+            <a:spAutoFit/>
+          </a:bodyPr>
+          <a:lstStyle/>
+          <a:p>
+            <a:pPr algn="ctr"/>
+            <a:r>
+              <a:rPr lang="en-GB" sz="1050" dirty="0">
+                <a:solidFill>
+                  <a:schemeClr val="accent6"/>
+                </a:solidFill>
+              </a:rPr>
+              <a:t>STARTING BIAS</a:t>
+            </a:r>
+          </a:p>
+          <a:p>
+            <a:pPr algn="ctr"/>
+            <a:r>
+              <a:rPr lang="en-GB" sz="1050" dirty="0">
+                <a:solidFill>
+                  <a:schemeClr val="accent6"/>
+                </a:solidFill>
+              </a:rPr>
+              <a:t>Fixed, set to 0 </a:t>
+            </a:r>
+            <a:endParaRPr lang="en-PL" sz="1050" dirty="0">
+              <a:solidFill>
+                <a:schemeClr val="accent6"/>
+              </a:solidFill>
+            </a:endParaRPr>
+          </a:p>
+        </p:txBody>
+      </p:sp>
+      <p:cxnSp>
+        <p:nvCxnSpPr>
+          <p:cNvPr id="39" name="Straight Arrow Connector 38">
+            <a:extLst>
+              <a:ext uri="{FF2B5EF4-FFF2-40B4-BE49-F238E27FC236}">
+                <a16:creationId xmlns:a16="http://schemas.microsoft.com/office/drawing/2014/main" id="{6B6D3405-AE7D-F939-C18C-D224753A5A8E}"/>
+              </a:ext>
+            </a:extLst>
+          </p:cNvPr>
+          <p:cNvCxnSpPr>
+            <a:cxnSpLocks/>
+            <a:stCxn id="38" idx="2"/>
+          </p:cNvCxnSpPr>
+          <p:nvPr/>
+        </p:nvCxnSpPr>
+        <p:spPr>
+          <a:xfrm>
+            <a:off x="6392193" y="4357195"/>
+            <a:ext cx="850242" cy="515841"/>
+          </a:xfrm>
+          <a:prstGeom prst="straightConnector1">
+            <a:avLst/>
+          </a:prstGeom>
+          <a:ln>
+            <a:solidFill>
+              <a:schemeClr val="accent6"/>
+            </a:solidFill>
+            <a:tailEnd type="triangle"/>
+          </a:ln>
+        </p:spPr>
+        <p:style>
+          <a:lnRef idx="2">
+            <a:schemeClr val="accent1"/>
+          </a:lnRef>
+          <a:fillRef idx="0">
+            <a:schemeClr val="accent1"/>
+          </a:fillRef>
+          <a:effectRef idx="1">
+            <a:schemeClr val="accent1"/>
+          </a:effectRef>
+          <a:fontRef idx="minor">
+            <a:schemeClr val="tx1"/>
+          </a:fontRef>
+        </p:style>
+      </p:cxnSp>
+      <p:sp>
+        <p:nvSpPr>
+          <p:cNvPr id="44" name="TextBox 43">
+            <a:extLst>
+              <a:ext uri="{FF2B5EF4-FFF2-40B4-BE49-F238E27FC236}">
+                <a16:creationId xmlns:a16="http://schemas.microsoft.com/office/drawing/2014/main" id="{C3A4F5E1-B2D7-4456-BAAB-70FEBD11E5FE}"/>
+              </a:ext>
+            </a:extLst>
+          </p:cNvPr>
+          <p:cNvSpPr txBox="1"/>
+          <p:nvPr/>
+        </p:nvSpPr>
+        <p:spPr>
+          <a:xfrm>
+            <a:off x="50221" y="4614677"/>
+            <a:ext cx="6149485" cy="2377574"/>
+          </a:xfrm>
+          <a:prstGeom prst="rect">
+            <a:avLst/>
+          </a:prstGeom>
+          <a:noFill/>
+        </p:spPr>
+        <p:txBody>
+          <a:bodyPr wrap="square" rtlCol="0">
+            <a:spAutoFit/>
+          </a:bodyPr>
+          <a:lstStyle/>
+          <a:p>
+            <a:pPr marL="171450" indent="-171450">
+              <a:buFont typeface="Wingdings" pitchFamily="2" charset="2"/>
+              <a:buChar char="v"/>
+            </a:pPr>
+            <a:r>
+              <a:rPr lang="en-GB" sz="1100" b="1" dirty="0"/>
+              <a:t>Assumption</a:t>
+            </a:r>
+            <a:r>
+              <a:rPr lang="en-GB" sz="1050" dirty="0"/>
+              <a:t>: Each person starts making their decisions after 200ms (essentially saying that they are getting visually accustomed to the word before they start deciding). This is different to Beevers paper. </a:t>
+            </a:r>
+          </a:p>
+          <a:p>
+            <a:pPr marL="171450" indent="-171450">
+              <a:buFont typeface="Wingdings" pitchFamily="2" charset="2"/>
+              <a:buChar char="v"/>
+            </a:pPr>
+            <a:endParaRPr lang="en-GB" sz="1050" dirty="0"/>
+          </a:p>
+          <a:p>
+            <a:pPr marL="171450" indent="-171450">
+              <a:buFont typeface="Wingdings" pitchFamily="2" charset="2"/>
+              <a:buChar char="v"/>
+            </a:pPr>
+            <a:r>
+              <a:rPr lang="en-GB" sz="1100" b="1" dirty="0"/>
+              <a:t>Assumption</a:t>
+            </a:r>
+            <a:r>
+              <a:rPr lang="en-GB" sz="1050" dirty="0"/>
+              <a:t> : No starting point bias (everyone has an equal chance of saying yes or no from the outset, irrespective of context). Fixed to 0. </a:t>
+            </a:r>
+          </a:p>
+          <a:p>
+            <a:endParaRPr lang="en-GB" sz="1050" dirty="0"/>
+          </a:p>
+          <a:p>
+            <a:pPr marL="171450" indent="-171450">
+              <a:buFont typeface="Wingdings" pitchFamily="2" charset="2"/>
+              <a:buChar char="v"/>
+            </a:pPr>
+            <a:r>
+              <a:rPr lang="en-GB" sz="1100" b="1" dirty="0"/>
+              <a:t>Rationale</a:t>
+            </a:r>
+            <a:r>
+              <a:rPr lang="en-GB" sz="1050" dirty="0"/>
+              <a:t> : Following Beevers paper, the noise is fixed to 1</a:t>
+            </a:r>
+          </a:p>
+          <a:p>
+            <a:endParaRPr lang="en-GB" sz="1050" dirty="0"/>
+          </a:p>
+          <a:p>
+            <a:pPr marL="171450" indent="-171450">
+              <a:buFont typeface="Wingdings" pitchFamily="2" charset="2"/>
+              <a:buChar char="v"/>
+            </a:pPr>
+            <a:r>
+              <a:rPr lang="en-GB" sz="1100" b="1" dirty="0"/>
+              <a:t>Rationale</a:t>
+            </a:r>
+            <a:r>
+              <a:rPr lang="en-GB" sz="1050" dirty="0"/>
+              <a:t> : Following Beevers paper, the decision boundaries and drift rates are fitted by the model (the boundaries are arbitrarily chosen)</a:t>
+            </a:r>
+          </a:p>
+          <a:p>
+            <a:endParaRPr lang="en-GB" sz="1050" dirty="0"/>
+          </a:p>
+          <a:p>
+            <a:endParaRPr lang="en-GB" sz="1050" dirty="0"/>
+          </a:p>
+          <a:p>
+            <a:br>
+              <a:rPr lang="en-GB" sz="1050" dirty="0"/>
+            </a:br>
+            <a:endParaRPr lang="en-PL" sz="1050" dirty="0"/>
           </a:p>
         </p:txBody>
       </p:sp>
@@ -8817,7 +9960,12 @@
             <p:ph type="title"/>
           </p:nvPr>
         </p:nvSpPr>
-        <p:spPr/>
+        <p:spPr>
+          <a:xfrm>
+            <a:off x="0" y="-243088"/>
+            <a:ext cx="10515600" cy="1325563"/>
+          </a:xfrm>
+        </p:spPr>
         <p:txBody>
           <a:bodyPr/>
           <a:lstStyle/>
@@ -8829,28 +9977,301 @@
           </a:p>
         </p:txBody>
       </p:sp>
-      <p:sp>
-        <p:nvSpPr>
-          <p:cNvPr id="3" name="Content Placeholder 2">
-            <a:extLst>
-              <a:ext uri="{FF2B5EF4-FFF2-40B4-BE49-F238E27FC236}">
-                <a16:creationId xmlns:a16="http://schemas.microsoft.com/office/drawing/2014/main" id="{17FB647C-438A-34A3-133A-43B9B2FEE387}"/>
-              </a:ext>
-            </a:extLst>
-          </p:cNvPr>
-          <p:cNvSpPr>
-            <a:spLocks noGrp="1"/>
-          </p:cNvSpPr>
-          <p:nvPr>
-            <p:ph idx="1"/>
-          </p:nvPr>
-        </p:nvSpPr>
-        <p:spPr/>
-        <p:txBody>
-          <a:bodyPr/>
-          <a:lstStyle/>
-          <a:p>
+      <p:pic>
+        <p:nvPicPr>
+          <p:cNvPr id="6" name="Picture 5">
+            <a:extLst>
+              <a:ext uri="{FF2B5EF4-FFF2-40B4-BE49-F238E27FC236}">
+                <a16:creationId xmlns:a16="http://schemas.microsoft.com/office/drawing/2014/main" id="{ECA3E19D-1B2D-A01A-8C58-DD490008FE3D}"/>
+              </a:ext>
+            </a:extLst>
+          </p:cNvPr>
+          <p:cNvPicPr>
+            <a:picLocks noChangeAspect="1"/>
+          </p:cNvPicPr>
+          <p:nvPr/>
+        </p:nvPicPr>
+        <p:blipFill>
+          <a:blip r:embed="rId3"/>
+          <a:stretch>
+            <a:fillRect/>
+          </a:stretch>
+        </p:blipFill>
+        <p:spPr>
+          <a:xfrm>
+            <a:off x="146082" y="1082475"/>
+            <a:ext cx="7489420" cy="3665276"/>
+          </a:xfrm>
+          <a:prstGeom prst="rect">
+            <a:avLst/>
+          </a:prstGeom>
+        </p:spPr>
+      </p:pic>
+      <p:sp>
+        <p:nvSpPr>
+          <p:cNvPr id="9" name="Rectangle 8">
+            <a:extLst>
+              <a:ext uri="{FF2B5EF4-FFF2-40B4-BE49-F238E27FC236}">
+                <a16:creationId xmlns:a16="http://schemas.microsoft.com/office/drawing/2014/main" id="{7158ED44-4CA7-70A3-81B9-81B3D083635B}"/>
+              </a:ext>
+            </a:extLst>
+          </p:cNvPr>
+          <p:cNvSpPr/>
+          <p:nvPr/>
+        </p:nvSpPr>
+        <p:spPr>
+          <a:xfrm>
+            <a:off x="0" y="4963886"/>
+            <a:ext cx="12192000" cy="1894114"/>
+          </a:xfrm>
+          <a:prstGeom prst="rect">
+            <a:avLst/>
+          </a:prstGeom>
+          <a:solidFill>
+            <a:srgbClr val="1F1F1F"/>
+          </a:solidFill>
+          <a:ln>
+            <a:solidFill>
+              <a:srgbClr val="1F1F1F"/>
+            </a:solidFill>
+          </a:ln>
+        </p:spPr>
+        <p:style>
+          <a:lnRef idx="2">
+            <a:schemeClr val="accent1">
+              <a:shade val="15000"/>
+            </a:schemeClr>
+          </a:lnRef>
+          <a:fillRef idx="1">
+            <a:schemeClr val="accent1"/>
+          </a:fillRef>
+          <a:effectRef idx="0">
+            <a:schemeClr val="accent1"/>
+          </a:effectRef>
+          <a:fontRef idx="minor">
+            <a:schemeClr val="lt1"/>
+          </a:fontRef>
+        </p:style>
+        <p:txBody>
+          <a:bodyPr rtlCol="0" anchor="ctr"/>
+          <a:lstStyle/>
+          <a:p>
+            <a:pPr algn="ctr"/>
             <a:endParaRPr lang="en-PL"/>
+          </a:p>
+        </p:txBody>
+      </p:sp>
+      <p:pic>
+        <p:nvPicPr>
+          <p:cNvPr id="8" name="Picture 7" descr="A screenshot of a graph&#10;&#10;AI-generated content may be incorrect.">
+            <a:extLst>
+              <a:ext uri="{FF2B5EF4-FFF2-40B4-BE49-F238E27FC236}">
+                <a16:creationId xmlns:a16="http://schemas.microsoft.com/office/drawing/2014/main" id="{24445FA6-760E-729B-2977-30C9547B9E23}"/>
+              </a:ext>
+            </a:extLst>
+          </p:cNvPr>
+          <p:cNvPicPr>
+            <a:picLocks noChangeAspect="1"/>
+          </p:cNvPicPr>
+          <p:nvPr/>
+        </p:nvPicPr>
+        <p:blipFill>
+          <a:blip r:embed="rId4"/>
+          <a:srcRect t="2871"/>
+          <a:stretch/>
+        </p:blipFill>
+        <p:spPr>
+          <a:xfrm>
+            <a:off x="74644" y="5122529"/>
+            <a:ext cx="6784933" cy="1576827"/>
+          </a:xfrm>
+          <a:prstGeom prst="rect">
+            <a:avLst/>
+          </a:prstGeom>
+        </p:spPr>
+      </p:pic>
+      <p:sp>
+        <p:nvSpPr>
+          <p:cNvPr id="10" name="TextBox 9">
+            <a:extLst>
+              <a:ext uri="{FF2B5EF4-FFF2-40B4-BE49-F238E27FC236}">
+                <a16:creationId xmlns:a16="http://schemas.microsoft.com/office/drawing/2014/main" id="{CCC93FE2-8D45-A678-5C78-024DEA68E1A5}"/>
+              </a:ext>
+            </a:extLst>
+          </p:cNvPr>
+          <p:cNvSpPr txBox="1"/>
+          <p:nvPr/>
+        </p:nvSpPr>
+        <p:spPr>
+          <a:xfrm>
+            <a:off x="7694499" y="1939093"/>
+            <a:ext cx="4484963" cy="1938992"/>
+          </a:xfrm>
+          <a:prstGeom prst="rect">
+            <a:avLst/>
+          </a:prstGeom>
+          <a:noFill/>
+        </p:spPr>
+        <p:txBody>
+          <a:bodyPr wrap="square" rtlCol="0">
+            <a:spAutoFit/>
+          </a:bodyPr>
+          <a:lstStyle/>
+          <a:p>
+            <a:r>
+              <a:rPr lang="en-GB" sz="1100" b="1" u="sng" dirty="0"/>
+              <a:t>Notes:</a:t>
+            </a:r>
+          </a:p>
+          <a:p>
+            <a:endParaRPr lang="en-GB" sz="1100" b="1" u="sng" dirty="0"/>
+          </a:p>
+          <a:p>
+            <a:pPr marL="171450" indent="-171450">
+              <a:buFont typeface="Wingdings" pitchFamily="2" charset="2"/>
+              <a:buChar char="v"/>
+            </a:pPr>
+            <a:r>
+              <a:rPr lang="en-GB" sz="1100" dirty="0"/>
+              <a:t>It looks like the drift rates are being fitted with a lot of quick decisions from participants, skewing a lot of the drift rates to be at the extremes.</a:t>
+            </a:r>
+          </a:p>
+          <a:p>
+            <a:pPr marL="171450" indent="-171450">
+              <a:buFont typeface="Wingdings" pitchFamily="2" charset="2"/>
+              <a:buChar char="v"/>
+            </a:pPr>
+            <a:endParaRPr lang="en-GB" sz="1100" dirty="0"/>
+          </a:p>
+          <a:p>
+            <a:pPr marL="171450" indent="-171450">
+              <a:buFont typeface="Wingdings" pitchFamily="2" charset="2"/>
+              <a:buChar char="v"/>
+            </a:pPr>
+            <a:r>
+              <a:rPr lang="en-GB" sz="1100" dirty="0"/>
+              <a:t>Positive adjectives seem to have a slightly wider spread than the rest. </a:t>
+            </a:r>
+          </a:p>
+          <a:p>
+            <a:pPr marL="171450" indent="-171450">
+              <a:buFont typeface="Wingdings" pitchFamily="2" charset="2"/>
+              <a:buChar char="v"/>
+            </a:pPr>
+            <a:endParaRPr lang="en-GB" sz="1100" dirty="0"/>
+          </a:p>
+          <a:p>
+            <a:endParaRPr lang="en-GB" sz="1050" dirty="0"/>
+          </a:p>
+          <a:p>
+            <a:pPr marL="1085850" lvl="2" indent="-171450">
+              <a:buFontTx/>
+              <a:buChar char="-"/>
+            </a:pPr>
+            <a:endParaRPr lang="en-PL" sz="1050" dirty="0"/>
+          </a:p>
+        </p:txBody>
+      </p:sp>
+      <p:sp>
+        <p:nvSpPr>
+          <p:cNvPr id="11" name="TextBox 10">
+            <a:extLst>
+              <a:ext uri="{FF2B5EF4-FFF2-40B4-BE49-F238E27FC236}">
+                <a16:creationId xmlns:a16="http://schemas.microsoft.com/office/drawing/2014/main" id="{39F1635F-7043-5CD3-BC5D-61387CDFB143}"/>
+              </a:ext>
+            </a:extLst>
+          </p:cNvPr>
+          <p:cNvSpPr txBox="1"/>
+          <p:nvPr/>
+        </p:nvSpPr>
+        <p:spPr>
+          <a:xfrm>
+            <a:off x="7635502" y="5135143"/>
+            <a:ext cx="4484963" cy="1600438"/>
+          </a:xfrm>
+          <a:prstGeom prst="rect">
+            <a:avLst/>
+          </a:prstGeom>
+          <a:noFill/>
+        </p:spPr>
+        <p:txBody>
+          <a:bodyPr wrap="square" rtlCol="0">
+            <a:spAutoFit/>
+          </a:bodyPr>
+          <a:lstStyle/>
+          <a:p>
+            <a:r>
+              <a:rPr lang="en-GB" sz="1100" b="1" u="sng" dirty="0">
+                <a:solidFill>
+                  <a:schemeClr val="bg1"/>
+                </a:solidFill>
+              </a:rPr>
+              <a:t>Notes:</a:t>
+            </a:r>
+          </a:p>
+          <a:p>
+            <a:endParaRPr lang="en-GB" sz="1100" b="1" u="sng" dirty="0">
+              <a:solidFill>
+                <a:schemeClr val="bg1"/>
+              </a:solidFill>
+            </a:endParaRPr>
+          </a:p>
+          <a:p>
+            <a:pPr marL="171450" indent="-171450">
+              <a:buFont typeface="Wingdings" pitchFamily="2" charset="2"/>
+              <a:buChar char="v"/>
+            </a:pPr>
+            <a:r>
+              <a:rPr lang="en-GB" sz="1100" dirty="0">
+                <a:solidFill>
+                  <a:schemeClr val="bg1"/>
+                </a:solidFill>
+              </a:rPr>
+              <a:t>It looks like the scores higher on BDI have a relatively strong correlation with being non-self-referential to positive adjectives. Similarly for scores high in SPIN.</a:t>
+            </a:r>
+          </a:p>
+          <a:p>
+            <a:pPr marL="171450" indent="-171450">
+              <a:buFont typeface="Wingdings" pitchFamily="2" charset="2"/>
+              <a:buChar char="v"/>
+            </a:pPr>
+            <a:endParaRPr lang="en-GB" sz="1100" dirty="0">
+              <a:solidFill>
+                <a:schemeClr val="bg1"/>
+              </a:solidFill>
+            </a:endParaRPr>
+          </a:p>
+          <a:p>
+            <a:pPr marL="171450" indent="-171450">
+              <a:buFont typeface="Wingdings" pitchFamily="2" charset="2"/>
+              <a:buChar char="v"/>
+            </a:pPr>
+            <a:r>
+              <a:rPr lang="en-GB" sz="1100" dirty="0">
+                <a:solidFill>
+                  <a:schemeClr val="bg1"/>
+                </a:solidFill>
+              </a:rPr>
+              <a:t>There’s actually a lot to unpick here, interestingly.  </a:t>
+            </a:r>
+          </a:p>
+          <a:p>
+            <a:endParaRPr lang="en-GB" sz="1050" dirty="0">
+              <a:solidFill>
+                <a:schemeClr val="bg1"/>
+              </a:solidFill>
+            </a:endParaRPr>
+          </a:p>
+          <a:p>
+            <a:pPr marL="1085850" lvl="2" indent="-171450">
+              <a:buFontTx/>
+              <a:buChar char="-"/>
+            </a:pPr>
+            <a:endParaRPr lang="en-PL" sz="1050" dirty="0">
+              <a:solidFill>
+                <a:schemeClr val="bg1"/>
+              </a:solidFill>
+            </a:endParaRPr>
           </a:p>
         </p:txBody>
       </p:sp>
